--- a/AEDA_-_Cartao_Museus_de_Portugal_parte_2.pptx
+++ b/AEDA_-_Cartao_Museus_de_Portugal_parte_2.pptx
@@ -5,20 +5,19 @@
     <p:sldMasterId id="2147483684" r:id="rId4"/>
   </p:sldMasterIdLst>
   <p:notesMasterIdLst>
-    <p:notesMasterId r:id="rId16"/>
+    <p:notesMasterId r:id="rId15"/>
   </p:notesMasterIdLst>
   <p:sldIdLst>
     <p:sldId id="256" r:id="rId5"/>
     <p:sldId id="257" r:id="rId6"/>
     <p:sldId id="259" r:id="rId7"/>
-    <p:sldId id="258" r:id="rId8"/>
-    <p:sldId id="261" r:id="rId9"/>
-    <p:sldId id="263" r:id="rId10"/>
-    <p:sldId id="265" r:id="rId11"/>
-    <p:sldId id="264" r:id="rId12"/>
-    <p:sldId id="266" r:id="rId13"/>
-    <p:sldId id="267" r:id="rId14"/>
-    <p:sldId id="272" r:id="rId15"/>
+    <p:sldId id="261" r:id="rId8"/>
+    <p:sldId id="263" r:id="rId9"/>
+    <p:sldId id="273" r:id="rId10"/>
+    <p:sldId id="264" r:id="rId11"/>
+    <p:sldId id="266" r:id="rId12"/>
+    <p:sldId id="267" r:id="rId13"/>
+    <p:sldId id="272" r:id="rId14"/>
   </p:sldIdLst>
   <p:sldSz cx="12192000" cy="6858000"/>
   <p:notesSz cx="6858000" cy="9144000"/>
@@ -549,7 +548,7 @@
     </p:spTree>
     <p:extLst>
       <p:ext uri="{BB962C8B-B14F-4D97-AF65-F5344CB8AC3E}">
-        <p14:creationId xmlns:p14="http://schemas.microsoft.com/office/powerpoint/2010/main" val="669527241"/>
+        <p14:creationId xmlns:p14="http://schemas.microsoft.com/office/powerpoint/2010/main" val="334444292"/>
       </p:ext>
     </p:extLst>
   </p:cSld>
@@ -624,7 +623,7 @@
           <a:p>
             <a:fld id="{2991BF60-D1CF-43CF-94A6-F80ED6A8E0B7}" type="slidenum">
               <a:rPr lang="pt-PT" smtClean="0"/>
-              <a:t>5</a:t>
+              <a:t>8</a:t>
             </a:fld>
             <a:endParaRPr lang="pt-PT"/>
           </a:p>
@@ -633,7 +632,7 @@
     </p:spTree>
     <p:extLst>
       <p:ext uri="{BB962C8B-B14F-4D97-AF65-F5344CB8AC3E}">
-        <p14:creationId xmlns:p14="http://schemas.microsoft.com/office/powerpoint/2010/main" val="334444292"/>
+        <p14:creationId xmlns:p14="http://schemas.microsoft.com/office/powerpoint/2010/main" val="3581808362"/>
       </p:ext>
     </p:extLst>
   </p:cSld>
@@ -708,91 +707,7 @@
           <a:p>
             <a:fld id="{2991BF60-D1CF-43CF-94A6-F80ED6A8E0B7}" type="slidenum">
               <a:rPr lang="pt-PT" smtClean="0"/>
-              <a:t>9</a:t>
-            </a:fld>
-            <a:endParaRPr lang="pt-PT"/>
-          </a:p>
-        </p:txBody>
-      </p:sp>
-    </p:spTree>
-    <p:extLst>
-      <p:ext uri="{BB962C8B-B14F-4D97-AF65-F5344CB8AC3E}">
-        <p14:creationId xmlns:p14="http://schemas.microsoft.com/office/powerpoint/2010/main" val="3581808362"/>
-      </p:ext>
-    </p:extLst>
-  </p:cSld>
-  <p:clrMapOvr>
-    <a:masterClrMapping/>
-  </p:clrMapOvr>
-</p:notes>
-</file>
-
-<file path=ppt/notesSlides/notesSlide4.xml><?xml version="1.0" encoding="utf-8"?>
-<p:notes xmlns:a="http://schemas.openxmlformats.org/drawingml/2006/main" xmlns:r="http://schemas.openxmlformats.org/officeDocument/2006/relationships" xmlns:p="http://schemas.openxmlformats.org/presentationml/2006/main">
-  <p:cSld>
-    <p:spTree>
-      <p:nvGrpSpPr>
-        <p:cNvPr id="1" name=""/>
-        <p:cNvGrpSpPr/>
-        <p:nvPr/>
-      </p:nvGrpSpPr>
-      <p:grpSpPr>
-        <a:xfrm>
-          <a:off x="0" y="0"/>
-          <a:ext cx="0" cy="0"/>
-          <a:chOff x="0" y="0"/>
-          <a:chExt cx="0" cy="0"/>
-        </a:xfrm>
-      </p:grpSpPr>
-      <p:sp>
-        <p:nvSpPr>
-          <p:cNvPr id="2" name="Slide Image Placeholder 1"/>
-          <p:cNvSpPr>
-            <a:spLocks noGrp="1" noRot="1" noChangeAspect="1"/>
-          </p:cNvSpPr>
-          <p:nvPr>
-            <p:ph type="sldImg"/>
-          </p:nvPr>
-        </p:nvSpPr>
-        <p:spPr/>
-      </p:sp>
-      <p:sp>
-        <p:nvSpPr>
-          <p:cNvPr id="3" name="Notes Placeholder 2"/>
-          <p:cNvSpPr>
-            <a:spLocks noGrp="1"/>
-          </p:cNvSpPr>
-          <p:nvPr>
-            <p:ph type="body" idx="1"/>
-          </p:nvPr>
-        </p:nvSpPr>
-        <p:spPr/>
-        <p:txBody>
-          <a:bodyPr/>
-          <a:lstStyle/>
-          <a:p>
-            <a:endParaRPr lang="pt-PT" dirty="0"/>
-          </a:p>
-        </p:txBody>
-      </p:sp>
-      <p:sp>
-        <p:nvSpPr>
-          <p:cNvPr id="4" name="Slide Number Placeholder 3"/>
-          <p:cNvSpPr>
-            <a:spLocks noGrp="1"/>
-          </p:cNvSpPr>
-          <p:nvPr>
-            <p:ph type="sldNum" sz="quarter" idx="5"/>
-          </p:nvPr>
-        </p:nvSpPr>
-        <p:spPr/>
-        <p:txBody>
-          <a:bodyPr/>
-          <a:lstStyle/>
-          <a:p>
-            <a:fld id="{2991BF60-D1CF-43CF-94A6-F80ED6A8E0B7}" type="slidenum">
-              <a:rPr lang="pt-PT" smtClean="0"/>
-              <a:t>11</a:t>
+              <a:t>10</a:t>
             </a:fld>
             <a:endParaRPr lang="pt-PT"/>
           </a:p>
@@ -4699,223 +4614,6 @@
           <p:nvPr/>
         </p:nvPicPr>
         <p:blipFill>
-          <a:blip r:embed="rId2"/>
-          <a:stretch>
-            <a:fillRect/>
-          </a:stretch>
-        </p:blipFill>
-        <p:spPr>
-          <a:xfrm>
-            <a:off x="424561" y="-50563"/>
-            <a:ext cx="452067" cy="7005036"/>
-          </a:xfrm>
-          <a:prstGeom prst="rect">
-            <a:avLst/>
-          </a:prstGeom>
-        </p:spPr>
-      </p:pic>
-      <p:sp>
-        <p:nvSpPr>
-          <p:cNvPr id="2" name="Título 1">
-            <a:extLst>
-              <a:ext uri="{FF2B5EF4-FFF2-40B4-BE49-F238E27FC236}">
-                <a16:creationId xmlns:a16="http://schemas.microsoft.com/office/drawing/2014/main" id="{48E84EA3-28D2-4004-8EF3-501B6C9D3FA2}"/>
-              </a:ext>
-            </a:extLst>
-          </p:cNvPr>
-          <p:cNvSpPr>
-            <a:spLocks noGrp="1"/>
-          </p:cNvSpPr>
-          <p:nvPr>
-            <p:ph type="title"/>
-          </p:nvPr>
-        </p:nvSpPr>
-        <p:spPr>
-          <a:xfrm>
-            <a:off x="650594" y="247650"/>
-            <a:ext cx="9601200" cy="1485900"/>
-          </a:xfrm>
-        </p:spPr>
-        <p:txBody>
-          <a:bodyPr/>
-          <a:lstStyle/>
-          <a:p>
-            <a:r>
-              <a:rPr lang="pt-PT" dirty="0"/>
-              <a:t>Principais dificuldades encontradas e esforço de cada elemento do grupo</a:t>
-            </a:r>
-          </a:p>
-        </p:txBody>
-      </p:sp>
-      <p:sp>
-        <p:nvSpPr>
-          <p:cNvPr id="3" name="Marcador de Posição de Conteúdo 2">
-            <a:extLst>
-              <a:ext uri="{FF2B5EF4-FFF2-40B4-BE49-F238E27FC236}">
-                <a16:creationId xmlns:a16="http://schemas.microsoft.com/office/drawing/2014/main" id="{5211137E-6CA3-4EB0-9815-1A3FC540E8EC}"/>
-              </a:ext>
-            </a:extLst>
-          </p:cNvPr>
-          <p:cNvSpPr>
-            <a:spLocks noGrp="1"/>
-          </p:cNvSpPr>
-          <p:nvPr>
-            <p:ph idx="1"/>
-          </p:nvPr>
-        </p:nvSpPr>
-        <p:spPr>
-          <a:xfrm>
-            <a:off x="876627" y="1733550"/>
-            <a:ext cx="10890811" cy="4879054"/>
-          </a:xfrm>
-        </p:spPr>
-        <p:txBody>
-          <a:bodyPr>
-            <a:normAutofit/>
-          </a:bodyPr>
-          <a:lstStyle/>
-          <a:p>
-            <a:pPr fontAlgn="base"/>
-            <a:r>
-              <a:rPr lang="pt-PT" dirty="0"/>
-              <a:t>O trabalho foi distribuído de maneira homogénea por todos os elementos do grupo</a:t>
-            </a:r>
-          </a:p>
-          <a:p>
-            <a:pPr fontAlgn="base"/>
-            <a:r>
-              <a:rPr lang="pt-PT" dirty="0"/>
-              <a:t>As principais dificuldades encontradas foram: </a:t>
-            </a:r>
-          </a:p>
-          <a:p>
-            <a:pPr lvl="1" fontAlgn="base"/>
-            <a:r>
-              <a:rPr lang="pt-PT" i="0" dirty="0"/>
-              <a:t>A implementação de templates na classe Menu</a:t>
-            </a:r>
-          </a:p>
-          <a:p>
-            <a:pPr lvl="1" fontAlgn="base"/>
-            <a:r>
-              <a:rPr lang="pt-PT" i="0" dirty="0"/>
-              <a:t>Indecisão sobre a estrutura e design das interfaces e dos diferentes filtros</a:t>
-            </a:r>
-          </a:p>
-          <a:p>
-            <a:pPr lvl="1" fontAlgn="base"/>
-            <a:r>
-              <a:rPr lang="pt-PT" i="0" dirty="0"/>
-              <a:t>Handling de exceções (onde dar </a:t>
-            </a:r>
-            <a:r>
-              <a:rPr lang="pt-PT" dirty="0"/>
-              <a:t>throw</a:t>
-            </a:r>
-            <a:r>
-              <a:rPr lang="pt-PT" i="0" dirty="0"/>
-              <a:t> e onde dar </a:t>
-            </a:r>
-            <a:r>
-              <a:rPr lang="pt-PT" dirty="0"/>
-              <a:t>catch</a:t>
-            </a:r>
-            <a:r>
-              <a:rPr lang="pt-PT" i="0" dirty="0"/>
-              <a:t>)</a:t>
-            </a:r>
-          </a:p>
-          <a:p>
-            <a:pPr lvl="1" fontAlgn="base"/>
-            <a:r>
-              <a:rPr lang="pt-PT" i="0" dirty="0"/>
-              <a:t>Definição de exceções gerais o suficiente para o nosso uso mas não demasiado gerais</a:t>
-            </a:r>
-          </a:p>
-          <a:p>
-            <a:pPr lvl="1" fontAlgn="base"/>
-            <a:r>
-              <a:rPr lang="pt-PT" i="0" dirty="0"/>
-              <a:t>Documentação do código usando </a:t>
-            </a:r>
-            <a:r>
-              <a:rPr lang="pt-PT" dirty="0"/>
-              <a:t>Doxygen</a:t>
-            </a:r>
-            <a:r>
-              <a:rPr lang="pt-PT" i="0" dirty="0"/>
-              <a:t> e a configuração do mesmo</a:t>
-            </a:r>
-          </a:p>
-          <a:p>
-            <a:pPr lvl="1" fontAlgn="base"/>
-            <a:r>
-              <a:rPr lang="pt-PT" i="0" dirty="0"/>
-              <a:t>Atualização do design inicial do </a:t>
-            </a:r>
-            <a:r>
-              <a:rPr lang="pt-PT" dirty="0"/>
-              <a:t>UML</a:t>
-            </a:r>
-            <a:r>
-              <a:rPr lang="pt-PT" i="0" dirty="0"/>
-              <a:t> para melhor refletir o resultado final do nosso código </a:t>
-            </a:r>
-          </a:p>
-          <a:p>
-            <a:pPr lvl="1" fontAlgn="base"/>
-            <a:r>
-              <a:rPr lang="pt-PT" i="0" dirty="0"/>
-              <a:t>Tradução de todas as ideas, features implementados e decisões relativamente design para o relatório</a:t>
-            </a:r>
-          </a:p>
-        </p:txBody>
-      </p:sp>
-    </p:spTree>
-    <p:extLst>
-      <p:ext uri="{BB962C8B-B14F-4D97-AF65-F5344CB8AC3E}">
-        <p14:creationId xmlns:p14="http://schemas.microsoft.com/office/powerpoint/2010/main" val="316349107"/>
-      </p:ext>
-    </p:extLst>
-  </p:cSld>
-  <p:clrMapOvr>
-    <a:masterClrMapping/>
-  </p:clrMapOvr>
-</p:sld>
-</file>
-
-<file path=ppt/slides/slide11.xml><?xml version="1.0" encoding="utf-8"?>
-<p:sld xmlns:a="http://schemas.openxmlformats.org/drawingml/2006/main" xmlns:r="http://schemas.openxmlformats.org/officeDocument/2006/relationships" xmlns:p="http://schemas.openxmlformats.org/presentationml/2006/main">
-  <p:cSld>
-    <p:spTree>
-      <p:nvGrpSpPr>
-        <p:cNvPr id="1" name=""/>
-        <p:cNvGrpSpPr/>
-        <p:nvPr/>
-      </p:nvGrpSpPr>
-      <p:grpSpPr>
-        <a:xfrm>
-          <a:off x="0" y="0"/>
-          <a:ext cx="0" cy="0"/>
-          <a:chOff x="0" y="0"/>
-          <a:chExt cx="0" cy="0"/>
-        </a:xfrm>
-      </p:grpSpPr>
-      <p:pic>
-        <p:nvPicPr>
-          <p:cNvPr id="4" name="Picture 3">
-            <a:extLst>
-              <a:ext uri="{FF2B5EF4-FFF2-40B4-BE49-F238E27FC236}">
-                <a16:creationId xmlns:a16="http://schemas.microsoft.com/office/drawing/2014/main" id="{C3CAC7FE-F00A-4603-AE21-1918DC58F0C8}"/>
-              </a:ext>
-            </a:extLst>
-          </p:cNvPr>
-          <p:cNvPicPr>
-            <a:picLocks noChangeAspect="1"/>
-          </p:cNvPicPr>
-          <p:nvPr/>
-        </p:nvPicPr>
-        <p:blipFill>
           <a:blip r:embed="rId3"/>
           <a:stretch>
             <a:fillRect/>
@@ -5403,12 +5101,12 @@
         </p:spPr>
         <p:txBody>
           <a:bodyPr>
-            <a:normAutofit/>
+            <a:normAutofit lnSpcReduction="10000"/>
           </a:bodyPr>
           <a:lstStyle/>
           <a:p>
             <a:r>
-              <a:rPr lang="pt-PT" sz="1600" dirty="0">
+              <a:rPr lang="pt-PT" dirty="0">
                 <a:solidFill>
                   <a:schemeClr val="tx1"/>
                 </a:solidFill>
@@ -5419,7 +5117,7 @@
           <a:p>
             <a:pPr lvl="1"/>
             <a:r>
-              <a:rPr lang="pt-PT" sz="1400" i="0" dirty="0">
+              <a:rPr lang="pt-PT" sz="1800" i="0" dirty="0">
                 <a:solidFill>
                   <a:schemeClr val="tx1"/>
                 </a:solidFill>
@@ -5429,14 +5127,14 @@
           </a:p>
           <a:p>
             <a:r>
-              <a:rPr lang="pt-PT" sz="1600" dirty="0"/>
+              <a:rPr lang="pt-PT" dirty="0"/>
               <a:t>Soluções práticas:</a:t>
             </a:r>
           </a:p>
           <a:p>
             <a:pPr lvl="1"/>
             <a:r>
-              <a:rPr lang="pt-PT" sz="1400" i="0" dirty="0">
+              <a:rPr lang="pt-PT" sz="1800" i="0" dirty="0">
                 <a:solidFill>
                   <a:schemeClr val="tx1"/>
                 </a:solidFill>
@@ -5447,7 +5145,7 @@
           <a:p>
             <a:pPr lvl="1"/>
             <a:r>
-              <a:rPr lang="pt-PT" sz="1400" i="0" dirty="0">
+              <a:rPr lang="pt-PT" sz="1800" i="0" dirty="0">
                 <a:solidFill>
                   <a:schemeClr val="tx1"/>
                 </a:solidFill>
@@ -5457,7 +5155,7 @@
           </a:p>
           <a:p>
             <a:r>
-              <a:rPr lang="pt-PT" sz="1600" dirty="0">
+              <a:rPr lang="pt-PT" dirty="0">
                 <a:solidFill>
                   <a:schemeClr val="tx1"/>
                 </a:solidFill>
@@ -5468,18 +5166,18 @@
           <a:p>
             <a:pPr lvl="1"/>
             <a:r>
-              <a:rPr lang="pt-PT" sz="1400" i="0" dirty="0">
+              <a:rPr lang="pt-PT" sz="1800" i="0" dirty="0">
                 <a:solidFill>
                   <a:schemeClr val="tx1"/>
                 </a:solidFill>
               </a:rPr>
-              <a:t>A ordem na BST é necessariamente a do enunciado (número de visitas, em caso de empate o nome), mas para saber se um Museu é igual a outro comparamos o seu nome e as suas coordenadas. Devido a isto, não podemos iterar a BST usando as suas vantagens (utilizando o operador menor).</a:t>
+              <a:t>A ordem na BST é necessariamente a do enunciado (número de visitas, em caso de empate o nome), mas para saber se um Museu é igual a outro comparamos o seu nome e as suas coordenadas. Devido a isto, não podemos usar o find da STL para verificar a existência/encontrar um museu específico.</a:t>
             </a:r>
           </a:p>
           <a:p>
             <a:pPr lvl="1"/>
             <a:r>
-              <a:rPr lang="pt-PT" sz="1400" i="0" dirty="0">
+              <a:rPr lang="pt-PT" sz="1800" i="0" dirty="0">
                 <a:solidFill>
                   <a:schemeClr val="tx1"/>
                 </a:solidFill>
@@ -5513,135 +5211,6 @@
 </file>
 
 <file path=ppt/slides/slide4.xml><?xml version="1.0" encoding="utf-8"?>
-<p:sld xmlns:a="http://schemas.openxmlformats.org/drawingml/2006/main" xmlns:r="http://schemas.openxmlformats.org/officeDocument/2006/relationships" xmlns:p="http://schemas.openxmlformats.org/presentationml/2006/main">
-  <p:cSld>
-    <p:spTree>
-      <p:nvGrpSpPr>
-        <p:cNvPr id="1" name=""/>
-        <p:cNvGrpSpPr/>
-        <p:nvPr/>
-      </p:nvGrpSpPr>
-      <p:grpSpPr>
-        <a:xfrm>
-          <a:off x="0" y="0"/>
-          <a:ext cx="0" cy="0"/>
-          <a:chOff x="0" y="0"/>
-          <a:chExt cx="0" cy="0"/>
-        </a:xfrm>
-      </p:grpSpPr>
-      <p:pic>
-        <p:nvPicPr>
-          <p:cNvPr id="4" name="Picture 3">
-            <a:extLst>
-              <a:ext uri="{FF2B5EF4-FFF2-40B4-BE49-F238E27FC236}">
-                <a16:creationId xmlns:a16="http://schemas.microsoft.com/office/drawing/2014/main" id="{DC5BCC2B-5620-4BC8-8E18-4DA991013C61}"/>
-              </a:ext>
-            </a:extLst>
-          </p:cNvPr>
-          <p:cNvPicPr>
-            <a:picLocks noChangeAspect="1"/>
-          </p:cNvPicPr>
-          <p:nvPr/>
-        </p:nvPicPr>
-        <p:blipFill>
-          <a:blip r:embed="rId3"/>
-          <a:stretch>
-            <a:fillRect/>
-          </a:stretch>
-        </p:blipFill>
-        <p:spPr>
-          <a:xfrm>
-            <a:off x="424561" y="-50563"/>
-            <a:ext cx="452067" cy="7005036"/>
-          </a:xfrm>
-          <a:prstGeom prst="rect">
-            <a:avLst/>
-          </a:prstGeom>
-        </p:spPr>
-      </p:pic>
-      <p:sp>
-        <p:nvSpPr>
-          <p:cNvPr id="2" name="Título 1">
-            <a:extLst>
-              <a:ext uri="{FF2B5EF4-FFF2-40B4-BE49-F238E27FC236}">
-                <a16:creationId xmlns:a16="http://schemas.microsoft.com/office/drawing/2014/main" id="{5BAF86BB-93CF-4A62-B39D-EAC282BB4D59}"/>
-              </a:ext>
-            </a:extLst>
-          </p:cNvPr>
-          <p:cNvSpPr>
-            <a:spLocks noGrp="1"/>
-          </p:cNvSpPr>
-          <p:nvPr>
-            <p:ph type="title"/>
-          </p:nvPr>
-        </p:nvSpPr>
-        <p:spPr>
-          <a:xfrm>
-            <a:off x="650594" y="208328"/>
-            <a:ext cx="9601200" cy="782273"/>
-          </a:xfrm>
-        </p:spPr>
-        <p:txBody>
-          <a:bodyPr/>
-          <a:lstStyle/>
-          <a:p>
-            <a:r>
-              <a:rPr lang="pt-PT" dirty="0"/>
-              <a:t>Algumas notas relevantes</a:t>
-            </a:r>
-          </a:p>
-        </p:txBody>
-      </p:sp>
-      <p:sp>
-        <p:nvSpPr>
-          <p:cNvPr id="3" name="Marcador de Posição de Conteúdo 2">
-            <a:extLst>
-              <a:ext uri="{FF2B5EF4-FFF2-40B4-BE49-F238E27FC236}">
-                <a16:creationId xmlns:a16="http://schemas.microsoft.com/office/drawing/2014/main" id="{B3E08F9B-BB42-4FE3-8B20-259751739E97}"/>
-              </a:ext>
-            </a:extLst>
-          </p:cNvPr>
-          <p:cNvSpPr>
-            <a:spLocks noGrp="1"/>
-          </p:cNvSpPr>
-          <p:nvPr>
-            <p:ph idx="1"/>
-          </p:nvPr>
-        </p:nvSpPr>
-        <p:spPr>
-          <a:xfrm>
-            <a:off x="876628" y="990600"/>
-            <a:ext cx="11025812" cy="5659072"/>
-          </a:xfrm>
-        </p:spPr>
-        <p:txBody>
-          <a:bodyPr>
-            <a:normAutofit/>
-          </a:bodyPr>
-          <a:lstStyle/>
-          <a:p>
-            <a:endParaRPr lang="pt-PT" dirty="0">
-              <a:solidFill>
-                <a:schemeClr val="tx1"/>
-              </a:solidFill>
-            </a:endParaRPr>
-          </a:p>
-        </p:txBody>
-      </p:sp>
-    </p:spTree>
-    <p:extLst>
-      <p:ext uri="{BB962C8B-B14F-4D97-AF65-F5344CB8AC3E}">
-        <p14:creationId xmlns:p14="http://schemas.microsoft.com/office/powerpoint/2010/main" val="3402378856"/>
-      </p:ext>
-    </p:extLst>
-  </p:cSld>
-  <p:clrMapOvr>
-    <a:masterClrMapping/>
-  </p:clrMapOvr>
-</p:sld>
-</file>
-
-<file path=ppt/slides/slide5.xml><?xml version="1.0" encoding="utf-8"?>
 <p:sld xmlns:a="http://schemas.openxmlformats.org/drawingml/2006/main" xmlns:r="http://schemas.openxmlformats.org/officeDocument/2006/relationships" xmlns:p="http://schemas.openxmlformats.org/presentationml/2006/main">
   <p:cSld>
     <p:spTree>
@@ -5884,7 +5453,7 @@
             </a:r>
             <a:r>
               <a:rPr lang="pt-PT" sz="2000" dirty="0"/>
-              <a:t>, data de nascimento, 1 se estiver empregue (0 caso contrário), seguido do nome e coordenadas do Museu que o emprega (string vazia e coordenadas (0, 0) caso não esteja empregue). </a:t>
+              <a:t>, data de nascimento, 1 se estiver empregue (0 caso contrário), seguido do nome e coordenadas do Museu que o emprega (caso esteja empregue). </a:t>
             </a:r>
           </a:p>
         </p:txBody>
@@ -5902,7 +5471,7 @@
 </p:sld>
 </file>
 
-<file path=ppt/slides/slide6.xml><?xml version="1.0" encoding="utf-8"?>
+<file path=ppt/slides/slide5.xml><?xml version="1.0" encoding="utf-8"?>
 <p:sld xmlns:a="http://schemas.openxmlformats.org/drawingml/2006/main" xmlns:r="http://schemas.openxmlformats.org/officeDocument/2006/relationships" xmlns:p="http://schemas.openxmlformats.org/presentationml/2006/main">
   <p:cSld>
     <p:spTree>
@@ -6011,8 +5580,44 @@
           <a:lstStyle/>
           <a:p>
             <a:r>
-              <a:rPr lang="pt-PT" dirty="0"/>
-              <a:t>Lista de funcionalidades implementadas, incluindo CRUD, listagem e outras (1 a 3 slides, com indicação para cada uma de: OK/Completa, Parcial)</a:t>
+              <a:rPr lang="pt-PT" dirty="0">
+                <a:solidFill>
+                  <a:schemeClr val="tx1"/>
+                </a:solidFill>
+              </a:rPr>
+              <a:t>As funcionalidades de CRUD foram mantidas para as antigas classes (Museus, Empresas de Eventos, Cartões e Eventos) e foram completamente implementadas para Trabalhadores do Estado e Empresas de Reparações</a:t>
+            </a:r>
+          </a:p>
+          <a:p>
+            <a:r>
+              <a:rPr lang="pt-PT" dirty="0">
+                <a:solidFill>
+                  <a:schemeClr val="tx1"/>
+                </a:solidFill>
+              </a:rPr>
+              <a:t>Novas adições às interfaces:</a:t>
+            </a:r>
+          </a:p>
+          <a:p>
+            <a:pPr lvl="1"/>
+            <a:r>
+              <a:rPr lang="pt-PT" i="0" dirty="0">
+                <a:solidFill>
+                  <a:schemeClr val="tx1"/>
+                </a:solidFill>
+              </a:rPr>
+              <a:t>Contratação e despedimento de Trabalhadores do Estado</a:t>
+            </a:r>
+          </a:p>
+          <a:p>
+            <a:pPr lvl="1"/>
+            <a:r>
+              <a:rPr lang="pt-PT" i="0" dirty="0">
+                <a:solidFill>
+                  <a:schemeClr val="tx1"/>
+                </a:solidFill>
+              </a:rPr>
+              <a:t>Reparar um Museu</a:t>
             </a:r>
             <a:endParaRPr lang="pt-PT" dirty="0">
               <a:solidFill>
@@ -6022,59 +5627,12 @@
           </a:p>
           <a:p>
             <a:r>
-              <a:rPr lang="pt-PT" dirty="0">
+              <a:rPr lang="pt-PT" i="0" dirty="0">
                 <a:solidFill>
                   <a:schemeClr val="tx1"/>
                 </a:solidFill>
               </a:rPr>
-              <a:t>As funcionalidades de CRUD foram mantidas para as antigas classes (Museus, Empresas de Eventos, Cartões e Eventos) e foram completamente implementadas para Trabalhadores do Estado e Empresas de Reparações</a:t>
-            </a:r>
-          </a:p>
-          <a:p>
-            <a:r>
-              <a:rPr lang="pt-PT" dirty="0">
-                <a:solidFill>
-                  <a:schemeClr val="tx1"/>
-                </a:solidFill>
-              </a:rPr>
-              <a:t>Novas adições às interfaces:</a:t>
-            </a:r>
-          </a:p>
-          <a:p>
-            <a:pPr lvl="1"/>
-            <a:r>
-              <a:rPr lang="pt-PT" i="0" dirty="0">
-                <a:solidFill>
-                  <a:schemeClr val="tx1"/>
-                </a:solidFill>
-              </a:rPr>
-              <a:t>Contratação e despedimento de Trabalhadores do Estado</a:t>
-            </a:r>
-          </a:p>
-          <a:p>
-            <a:pPr lvl="1"/>
-            <a:r>
-              <a:rPr lang="pt-PT" i="0" dirty="0">
-                <a:solidFill>
-                  <a:schemeClr val="tx1"/>
-                </a:solidFill>
-              </a:rPr>
-              <a:t>Reparar um Museu</a:t>
-            </a:r>
-            <a:endParaRPr lang="pt-PT" dirty="0">
-              <a:solidFill>
-                <a:schemeClr val="tx1"/>
-              </a:solidFill>
-            </a:endParaRPr>
-          </a:p>
-          <a:p>
-            <a:r>
-              <a:rPr lang="pt-PT" i="0" dirty="0">
-                <a:solidFill>
-                  <a:schemeClr val="tx1"/>
-                </a:solidFill>
-              </a:rPr>
-              <a:t>As Empresas de Eventos e as Empresas de Reparações ambas derivam de uma classe base EmpresaBase, visto partilharem bastante informação semelhante.</a:t>
+              <a:t>As Empresas de Eventos e as Empresas de Reparações ambas derivam de uma classe base Empresa Base, visto partilharem bastante informação semelhante. A classe Empresa Base foi definida para este trabalho e a antiga classe Empresa de Eventos foi adaptada para derivar desta</a:t>
             </a:r>
           </a:p>
         </p:txBody>
@@ -6092,223 +5650,7 @@
 </p:sld>
 </file>
 
-<file path=ppt/slides/slide7.xml><?xml version="1.0" encoding="utf-8"?>
-<p:sld xmlns:a="http://schemas.openxmlformats.org/drawingml/2006/main" xmlns:r="http://schemas.openxmlformats.org/officeDocument/2006/relationships" xmlns:p="http://schemas.openxmlformats.org/presentationml/2006/main">
-  <p:cSld>
-    <p:spTree>
-      <p:nvGrpSpPr>
-        <p:cNvPr id="1" name=""/>
-        <p:cNvGrpSpPr/>
-        <p:nvPr/>
-      </p:nvGrpSpPr>
-      <p:grpSpPr>
-        <a:xfrm>
-          <a:off x="0" y="0"/>
-          <a:ext cx="0" cy="0"/>
-          <a:chOff x="0" y="0"/>
-          <a:chExt cx="0" cy="0"/>
-        </a:xfrm>
-      </p:grpSpPr>
-      <p:pic>
-        <p:nvPicPr>
-          <p:cNvPr id="4" name="Picture 3">
-            <a:extLst>
-              <a:ext uri="{FF2B5EF4-FFF2-40B4-BE49-F238E27FC236}">
-                <a16:creationId xmlns:a16="http://schemas.microsoft.com/office/drawing/2014/main" id="{AD40DA33-2108-489F-8C06-98BE577B3B17}"/>
-              </a:ext>
-            </a:extLst>
-          </p:cNvPr>
-          <p:cNvPicPr>
-            <a:picLocks noChangeAspect="1"/>
-          </p:cNvPicPr>
-          <p:nvPr/>
-        </p:nvPicPr>
-        <p:blipFill>
-          <a:blip r:embed="rId2"/>
-          <a:stretch>
-            <a:fillRect/>
-          </a:stretch>
-        </p:blipFill>
-        <p:spPr>
-          <a:xfrm>
-            <a:off x="424561" y="-50563"/>
-            <a:ext cx="452067" cy="7005036"/>
-          </a:xfrm>
-          <a:prstGeom prst="rect">
-            <a:avLst/>
-          </a:prstGeom>
-        </p:spPr>
-      </p:pic>
-      <p:sp>
-        <p:nvSpPr>
-          <p:cNvPr id="2" name="Título 1">
-            <a:extLst>
-              <a:ext uri="{FF2B5EF4-FFF2-40B4-BE49-F238E27FC236}">
-                <a16:creationId xmlns:a16="http://schemas.microsoft.com/office/drawing/2014/main" id="{5F6D2F40-C4E3-45EF-932E-43895DACC002}"/>
-              </a:ext>
-            </a:extLst>
-          </p:cNvPr>
-          <p:cNvSpPr>
-            <a:spLocks noGrp="1"/>
-          </p:cNvSpPr>
-          <p:nvPr>
-            <p:ph type="title"/>
-          </p:nvPr>
-        </p:nvSpPr>
-        <p:spPr>
-          <a:xfrm>
-            <a:off x="650594" y="331723"/>
-            <a:ext cx="9601200" cy="853361"/>
-          </a:xfrm>
-        </p:spPr>
-        <p:txBody>
-          <a:bodyPr/>
-          <a:lstStyle/>
-          <a:p>
-            <a:r>
-              <a:rPr lang="pt-PT" dirty="0"/>
-              <a:t>Funcionalidades Implementadas</a:t>
-            </a:r>
-          </a:p>
-        </p:txBody>
-      </p:sp>
-      <p:sp>
-        <p:nvSpPr>
-          <p:cNvPr id="3" name="Marcador de Posição de Conteúdo 2">
-            <a:extLst>
-              <a:ext uri="{FF2B5EF4-FFF2-40B4-BE49-F238E27FC236}">
-                <a16:creationId xmlns:a16="http://schemas.microsoft.com/office/drawing/2014/main" id="{2E198E2E-EEE2-4AE0-8225-6D0BDAFC25D5}"/>
-              </a:ext>
-            </a:extLst>
-          </p:cNvPr>
-          <p:cNvSpPr>
-            <a:spLocks noGrp="1"/>
-          </p:cNvSpPr>
-          <p:nvPr>
-            <p:ph idx="1"/>
-          </p:nvPr>
-        </p:nvSpPr>
-        <p:spPr>
-          <a:xfrm>
-            <a:off x="1102661" y="1101012"/>
-            <a:ext cx="10364662" cy="5509337"/>
-          </a:xfrm>
-        </p:spPr>
-        <p:txBody>
-          <a:bodyPr>
-            <a:normAutofit/>
-          </a:bodyPr>
-          <a:lstStyle/>
-          <a:p>
-            <a:r>
-              <a:rPr lang="pt-PT" dirty="0">
-                <a:solidFill>
-                  <a:schemeClr val="tx1"/>
-                </a:solidFill>
-              </a:rPr>
-              <a:t>Interface de Membro (continuação):</a:t>
-            </a:r>
-          </a:p>
-          <a:p>
-            <a:pPr lvl="1"/>
-            <a:r>
-              <a:rPr lang="pt-PT" i="0" dirty="0">
-                <a:solidFill>
-                  <a:schemeClr val="tx1"/>
-                </a:solidFill>
-              </a:rPr>
-              <a:t>Membros do Cartão Silver (idosos), caso existam, são notificados de Eventos a decorrer nas próximas 8 horas, na sua área de residência (com lotação inferior a 50%)  aquando do </a:t>
-            </a:r>
-            <a:r>
-              <a:rPr lang="pt-PT" dirty="0">
-                <a:solidFill>
-                  <a:schemeClr val="tx1"/>
-                </a:solidFill>
-              </a:rPr>
-              <a:t>login</a:t>
-            </a:r>
-            <a:r>
-              <a:rPr lang="pt-PT" i="0" dirty="0">
-                <a:solidFill>
-                  <a:schemeClr val="tx1"/>
-                </a:solidFill>
-              </a:rPr>
-              <a:t> na Rede e na compra de bilhetes para esses Eventos selecionados. Estes serão gratuitos para o utilizador em questão </a:t>
-            </a:r>
-          </a:p>
-          <a:p>
-            <a:pPr lvl="1" algn="just"/>
-            <a:r>
-              <a:rPr lang="pt-PT" i="0" dirty="0"/>
-              <a:t>Durante a listagem de Eventos para um determinado tipo de Cartão, é tanto listado o preço do evento como o preço do evento, com o desconto, associado ao Membro, aplicado</a:t>
-            </a:r>
-            <a:endParaRPr lang="pt-PT" i="0" dirty="0">
-              <a:solidFill>
-                <a:schemeClr val="tx1"/>
-              </a:solidFill>
-            </a:endParaRPr>
-          </a:p>
-          <a:p>
-            <a:r>
-              <a:rPr lang="pt-PT" dirty="0">
-                <a:solidFill>
-                  <a:schemeClr val="tx1"/>
-                </a:solidFill>
-              </a:rPr>
-              <a:t>Interface de Utilizador não registado (sem Cartão criado):</a:t>
-            </a:r>
-          </a:p>
-          <a:p>
-            <a:pPr lvl="1"/>
-            <a:r>
-              <a:rPr lang="pt-PT" i="0" dirty="0">
-                <a:solidFill>
-                  <a:schemeClr val="tx1"/>
-                </a:solidFill>
-              </a:rPr>
-              <a:t>Listar todos os Eventos e Museus</a:t>
-            </a:r>
-          </a:p>
-          <a:p>
-            <a:pPr lvl="1"/>
-            <a:r>
-              <a:rPr lang="pt-PT" i="0" dirty="0">
-                <a:solidFill>
-                  <a:schemeClr val="tx1"/>
-                </a:solidFill>
-              </a:rPr>
-              <a:t>Criar uma conta (cartão) para si (apresentando informação sobre o preço total da compra, dependendo do tipo de cartão que lhe pode ser atribuído)</a:t>
-            </a:r>
-          </a:p>
-          <a:p>
-            <a:r>
-              <a:rPr lang="pt-PT" dirty="0">
-                <a:solidFill>
-                  <a:schemeClr val="tx1"/>
-                </a:solidFill>
-              </a:rPr>
-              <a:t>Exportação e Importação da informação para ficheiros</a:t>
-            </a:r>
-          </a:p>
-          <a:p>
-            <a:endParaRPr lang="pt-PT" dirty="0"/>
-          </a:p>
-        </p:txBody>
-      </p:sp>
-    </p:spTree>
-    <p:extLst>
-      <p:ext uri="{BB962C8B-B14F-4D97-AF65-F5344CB8AC3E}">
-        <p14:creationId xmlns:p14="http://schemas.microsoft.com/office/powerpoint/2010/main" val="3303386042"/>
-      </p:ext>
-    </p:extLst>
-  </p:cSld>
-  <p:clrMapOvr>
-    <a:masterClrMapping/>
-  </p:clrMapOvr>
-</p:sld>
-</file>
-
-<file path=ppt/slides/slide8.xml><?xml version="1.0" encoding="utf-8"?>
+<file path=ppt/slides/slide6.xml><?xml version="1.0" encoding="utf-8"?>
 <p:sld xmlns:a="http://schemas.openxmlformats.org/drawingml/2006/main" xmlns:r="http://schemas.openxmlformats.org/officeDocument/2006/relationships" xmlns:p="http://schemas.openxmlformats.org/presentationml/2006/main">
   <p:cSld>
     <p:spTree>
@@ -6374,16 +5716,18 @@
         <p:spPr>
           <a:xfrm>
             <a:off x="650594" y="330630"/>
-            <a:ext cx="10815751" cy="1081530"/>
-          </a:xfrm>
-        </p:spPr>
-        <p:txBody>
-          <a:bodyPr/>
+            <a:ext cx="11293167" cy="1081530"/>
+          </a:xfrm>
+        </p:spPr>
+        <p:txBody>
+          <a:bodyPr>
+            <a:normAutofit/>
+          </a:bodyPr>
           <a:lstStyle/>
           <a:p>
             <a:r>
               <a:rPr lang="pt-PT" dirty="0"/>
-              <a:t>Funcionalidades Implementadas - Filtros</a:t>
+              <a:t>Funcionalidades Implementadas – Filtros</a:t>
             </a:r>
           </a:p>
         </p:txBody>
@@ -6406,8 +5750,255 @@
         </p:nvSpPr>
         <p:spPr>
           <a:xfrm>
-            <a:off x="876628" y="1214189"/>
-            <a:ext cx="10935477" cy="802432"/>
+            <a:off x="876628" y="1171637"/>
+            <a:ext cx="10935477" cy="1098487"/>
+          </a:xfrm>
+        </p:spPr>
+        <p:txBody>
+          <a:bodyPr>
+            <a:normAutofit lnSpcReduction="10000"/>
+          </a:bodyPr>
+          <a:lstStyle/>
+          <a:p>
+            <a:pPr marL="0" indent="0">
+              <a:buNone/>
+            </a:pPr>
+            <a:r>
+              <a:rPr lang="pt-PT" dirty="0">
+                <a:solidFill>
+                  <a:schemeClr val="tx1"/>
+                </a:solidFill>
+              </a:rPr>
+              <a:t>Todas as operações de listagem e seleção de aglomerados de informação têm filtros distintos para ajudar a navegar pela grande quantidade de dados apresentados pela Rede.</a:t>
+            </a:r>
+          </a:p>
+          <a:p>
+            <a:pPr marL="0" indent="0">
+              <a:buNone/>
+            </a:pPr>
+            <a:r>
+              <a:rPr lang="pt-PT" dirty="0">
+                <a:solidFill>
+                  <a:schemeClr val="tx1"/>
+                </a:solidFill>
+              </a:rPr>
+              <a:t>A acrescentar aos já presentes no trabalho anterior, destacam-se:</a:t>
+            </a:r>
+          </a:p>
+          <a:p>
+            <a:endParaRPr lang="pt-PT" i="0" dirty="0">
+              <a:solidFill>
+                <a:schemeClr val="tx1"/>
+              </a:solidFill>
+            </a:endParaRPr>
+          </a:p>
+        </p:txBody>
+      </p:sp>
+      <p:sp>
+        <p:nvSpPr>
+          <p:cNvPr id="6" name="TextBox 5">
+            <a:extLst>
+              <a:ext uri="{FF2B5EF4-FFF2-40B4-BE49-F238E27FC236}">
+                <a16:creationId xmlns:a16="http://schemas.microsoft.com/office/drawing/2014/main" id="{53C81349-B835-4336-9CFD-BDC31413A167}"/>
+              </a:ext>
+            </a:extLst>
+          </p:cNvPr>
+          <p:cNvSpPr txBox="1"/>
+          <p:nvPr/>
+        </p:nvSpPr>
+        <p:spPr>
+          <a:xfrm>
+            <a:off x="3799899" y="3111131"/>
+            <a:ext cx="4592201" cy="1754326"/>
+          </a:xfrm>
+          <a:prstGeom prst="rect">
+            <a:avLst/>
+          </a:prstGeom>
+          <a:noFill/>
+        </p:spPr>
+        <p:txBody>
+          <a:bodyPr wrap="square" rtlCol="0">
+            <a:spAutoFit/>
+          </a:bodyPr>
+          <a:lstStyle/>
+          <a:p>
+            <a:pPr marL="285750" indent="-285750">
+              <a:buFont typeface="Wingdings" panose="05000000000000000000" pitchFamily="2" charset="2"/>
+              <a:buChar char="§"/>
+            </a:pPr>
+            <a:r>
+              <a:rPr lang="pt-PT" b="1" dirty="0"/>
+              <a:t>Filtro de Repair Enterprises:</a:t>
+            </a:r>
+          </a:p>
+          <a:p>
+            <a:pPr marL="742950" lvl="1" indent="-285750">
+              <a:buFont typeface="Arial" panose="020B0604020202020204" pitchFamily="34" charset="0"/>
+              <a:buChar char="–"/>
+            </a:pPr>
+            <a:r>
+              <a:rPr lang="pt-PT" dirty="0"/>
+              <a:t>Por Endereço</a:t>
+            </a:r>
+          </a:p>
+          <a:p>
+            <a:pPr marL="742950" lvl="1" indent="-285750">
+              <a:buFont typeface="Arial" panose="020B0604020202020204" pitchFamily="34" charset="0"/>
+              <a:buChar char="–"/>
+            </a:pPr>
+            <a:r>
+              <a:rPr lang="pt-PT" dirty="0"/>
+              <a:t>Por Nome</a:t>
+            </a:r>
+          </a:p>
+          <a:p>
+            <a:pPr marL="285750" indent="-285750">
+              <a:buFont typeface="Wingdings" panose="05000000000000000000" pitchFamily="2" charset="2"/>
+              <a:buChar char="§"/>
+            </a:pPr>
+            <a:r>
+              <a:rPr lang="pt-PT" b="1" dirty="0"/>
+              <a:t>Filtro de Trabalhadores do Estado</a:t>
+            </a:r>
+          </a:p>
+          <a:p>
+            <a:pPr marL="742950" lvl="1" indent="-285750">
+              <a:buFont typeface="Arial" panose="020B0604020202020204" pitchFamily="34" charset="0"/>
+              <a:buChar char="–"/>
+            </a:pPr>
+            <a:r>
+              <a:rPr lang="pt-PT" dirty="0"/>
+              <a:t>Por Estado de Empregação</a:t>
+            </a:r>
+          </a:p>
+          <a:p>
+            <a:pPr marL="742950" lvl="1" indent="-285750">
+              <a:buFont typeface="Arial" panose="020B0604020202020204" pitchFamily="34" charset="0"/>
+              <a:buChar char="–"/>
+            </a:pPr>
+            <a:r>
+              <a:rPr lang="pt-PT" dirty="0"/>
+              <a:t>Por Nome</a:t>
+            </a:r>
+            <a:endParaRPr lang="pt-PT" b="1" dirty="0"/>
+          </a:p>
+        </p:txBody>
+      </p:sp>
+    </p:spTree>
+    <p:extLst>
+      <p:ext uri="{BB962C8B-B14F-4D97-AF65-F5344CB8AC3E}">
+        <p14:creationId xmlns:p14="http://schemas.microsoft.com/office/powerpoint/2010/main" val="650437256"/>
+      </p:ext>
+    </p:extLst>
+  </p:cSld>
+  <p:clrMapOvr>
+    <a:masterClrMapping/>
+  </p:clrMapOvr>
+</p:sld>
+</file>
+
+<file path=ppt/slides/slide7.xml><?xml version="1.0" encoding="utf-8"?>
+<p:sld xmlns:a="http://schemas.openxmlformats.org/drawingml/2006/main" xmlns:r="http://schemas.openxmlformats.org/officeDocument/2006/relationships" xmlns:p="http://schemas.openxmlformats.org/presentationml/2006/main">
+  <p:cSld>
+    <p:spTree>
+      <p:nvGrpSpPr>
+        <p:cNvPr id="1" name=""/>
+        <p:cNvGrpSpPr/>
+        <p:nvPr/>
+      </p:nvGrpSpPr>
+      <p:grpSpPr>
+        <a:xfrm>
+          <a:off x="0" y="0"/>
+          <a:ext cx="0" cy="0"/>
+          <a:chOff x="0" y="0"/>
+          <a:chExt cx="0" cy="0"/>
+        </a:xfrm>
+      </p:grpSpPr>
+      <p:pic>
+        <p:nvPicPr>
+          <p:cNvPr id="4" name="Picture 3">
+            <a:extLst>
+              <a:ext uri="{FF2B5EF4-FFF2-40B4-BE49-F238E27FC236}">
+                <a16:creationId xmlns:a16="http://schemas.microsoft.com/office/drawing/2014/main" id="{F3E53DFB-7923-4080-A650-160FDFF96DC8}"/>
+              </a:ext>
+            </a:extLst>
+          </p:cNvPr>
+          <p:cNvPicPr>
+            <a:picLocks noChangeAspect="1"/>
+          </p:cNvPicPr>
+          <p:nvPr/>
+        </p:nvPicPr>
+        <p:blipFill>
+          <a:blip r:embed="rId2"/>
+          <a:stretch>
+            <a:fillRect/>
+          </a:stretch>
+        </p:blipFill>
+        <p:spPr>
+          <a:xfrm>
+            <a:off x="424561" y="-50563"/>
+            <a:ext cx="452067" cy="7005036"/>
+          </a:xfrm>
+          <a:prstGeom prst="rect">
+            <a:avLst/>
+          </a:prstGeom>
+        </p:spPr>
+      </p:pic>
+      <p:sp>
+        <p:nvSpPr>
+          <p:cNvPr id="2" name="Título 1">
+            <a:extLst>
+              <a:ext uri="{FF2B5EF4-FFF2-40B4-BE49-F238E27FC236}">
+                <a16:creationId xmlns:a16="http://schemas.microsoft.com/office/drawing/2014/main" id="{495CA529-324D-4C21-BDB4-A03CC29AF762}"/>
+              </a:ext>
+            </a:extLst>
+          </p:cNvPr>
+          <p:cNvSpPr>
+            <a:spLocks noGrp="1"/>
+          </p:cNvSpPr>
+          <p:nvPr>
+            <p:ph type="title"/>
+          </p:nvPr>
+        </p:nvSpPr>
+        <p:spPr>
+          <a:xfrm>
+            <a:off x="650594" y="330630"/>
+            <a:ext cx="11293167" cy="1081530"/>
+          </a:xfrm>
+        </p:spPr>
+        <p:txBody>
+          <a:bodyPr>
+            <a:normAutofit fontScale="90000"/>
+          </a:bodyPr>
+          <a:lstStyle/>
+          <a:p>
+            <a:r>
+              <a:rPr lang="pt-PT" dirty="0"/>
+              <a:t>Funcionalidades Implementadas – Filtros e Sorts</a:t>
+            </a:r>
+          </a:p>
+        </p:txBody>
+      </p:sp>
+      <p:sp>
+        <p:nvSpPr>
+          <p:cNvPr id="3" name="Marcador de Posição de Conteúdo 2">
+            <a:extLst>
+              <a:ext uri="{FF2B5EF4-FFF2-40B4-BE49-F238E27FC236}">
+                <a16:creationId xmlns:a16="http://schemas.microsoft.com/office/drawing/2014/main" id="{5F0A40F0-64D0-474E-A342-7D09549A7DCC}"/>
+              </a:ext>
+            </a:extLst>
+          </p:cNvPr>
+          <p:cNvSpPr>
+            <a:spLocks noGrp="1"/>
+          </p:cNvSpPr>
+          <p:nvPr>
+            <p:ph idx="1"/>
+          </p:nvPr>
+        </p:nvSpPr>
+        <p:spPr>
+          <a:xfrm>
+            <a:off x="876628" y="1171637"/>
+            <a:ext cx="10935477" cy="1098487"/>
           </a:xfrm>
         </p:spPr>
         <p:txBody>
@@ -6425,7 +6016,7 @@
                   <a:schemeClr val="tx1"/>
                 </a:solidFill>
               </a:rPr>
-              <a:t>Todas as operações de listagem e seleção de aglomerados de informação têm filtros distintos para ajudar a navegar pela grande quantidade de dados apresentados pela Rede</a:t>
+              <a:t>Visto no trabalho anterior ter faltado foco nos sorts, agora todos os conjuntos de dados (excetuando os Museus por serem uma BST) têm um conjunto de propriedades pelas quais os podemos ordernar.</a:t>
             </a:r>
           </a:p>
           <a:p>
@@ -6451,8 +6042,8 @@
         </p:nvSpPr>
         <p:spPr>
           <a:xfrm>
-            <a:off x="5901611" y="3128089"/>
-            <a:ext cx="5421085" cy="3139321"/>
+            <a:off x="6096000" y="3335600"/>
+            <a:ext cx="5421085" cy="2031325"/>
           </a:xfrm>
           <a:prstGeom prst="rect">
             <a:avLst/>
@@ -6471,12 +6062,9 @@
             </a:pPr>
             <a:r>
               <a:rPr lang="pt-PT" b="1" dirty="0"/>
-              <a:t>Filtro de Utilizadores </a:t>
-            </a:r>
-            <a:r>
-              <a:rPr lang="pt-PT" dirty="0"/>
-              <a:t>(apenas para admin)</a:t>
-            </a:r>
+              <a:t>Sorts de Repair Enterprises</a:t>
+            </a:r>
+            <a:endParaRPr lang="pt-PT" dirty="0"/>
           </a:p>
           <a:p>
             <a:pPr marL="742950" lvl="1" indent="-285750">
@@ -6495,27 +6083,7 @@
             </a:pPr>
             <a:r>
               <a:rPr lang="pt-PT" dirty="0"/>
-              <a:t>Por Validade do Cartão:</a:t>
-            </a:r>
-          </a:p>
-          <a:p>
-            <a:pPr marL="1200150" lvl="2" indent="-285750">
-              <a:buFont typeface="Arial" panose="020B0604020202020204" pitchFamily="34" charset="0"/>
-              <a:buChar char="–"/>
-            </a:pPr>
-            <a:r>
-              <a:rPr lang="pt-PT" dirty="0"/>
-              <a:t>Cartões Válidos</a:t>
-            </a:r>
-          </a:p>
-          <a:p>
-            <a:pPr marL="1200150" lvl="2" indent="-285750">
-              <a:buFont typeface="Arial" panose="020B0604020202020204" pitchFamily="34" charset="0"/>
-              <a:buChar char="–"/>
-            </a:pPr>
-            <a:r>
-              <a:rPr lang="pt-PT" dirty="0"/>
-              <a:t>Cartões Inválidos</a:t>
+              <a:t>Por Número de Trabalhos Realizados</a:t>
             </a:r>
           </a:p>
           <a:p>
@@ -6532,12 +6100,9 @@
             </a:pPr>
             <a:r>
               <a:rPr lang="pt-PT" b="1" dirty="0"/>
-              <a:t>Filtro de Empresas </a:t>
-            </a:r>
-            <a:r>
-              <a:rPr lang="pt-PT" dirty="0"/>
-              <a:t>(apenas para admin)</a:t>
-            </a:r>
+              <a:t>Sort de Trabalhadores do Estado</a:t>
+            </a:r>
+            <a:endParaRPr lang="pt-PT" dirty="0"/>
           </a:p>
           <a:p>
             <a:pPr marL="742950" lvl="1" indent="-285750">
@@ -6559,27 +6124,14 @@
               <a:t>Por Nome</a:t>
             </a:r>
           </a:p>
-          <a:p>
-            <a:pPr marL="742950" lvl="1" indent="-285750">
-              <a:buFont typeface="Arial" panose="020B0604020202020204" pitchFamily="34" charset="0"/>
-              <a:buChar char="–"/>
-            </a:pPr>
-            <a:r>
-              <a:rPr lang="pt-PT" dirty="0"/>
-              <a:t>Por Id de um dos seus Eventos</a:t>
-            </a:r>
-          </a:p>
-          <a:p>
-            <a:endParaRPr lang="pt-PT" dirty="0"/>
-          </a:p>
-        </p:txBody>
-      </p:sp>
-      <p:sp>
-        <p:nvSpPr>
-          <p:cNvPr id="6" name="TextBox 5">
+        </p:txBody>
+      </p:sp>
+      <p:sp>
+        <p:nvSpPr>
+          <p:cNvPr id="7" name="TextBox 6">
             <a:extLst>
               <a:ext uri="{FF2B5EF4-FFF2-40B4-BE49-F238E27FC236}">
-                <a16:creationId xmlns:a16="http://schemas.microsoft.com/office/drawing/2014/main" id="{53C81349-B835-4336-9CFD-BDC31413A167}"/>
+                <a16:creationId xmlns:a16="http://schemas.microsoft.com/office/drawing/2014/main" id="{8F186E8E-B220-48AB-AA4E-AFBEAC730A5A}"/>
               </a:ext>
             </a:extLst>
           </p:cNvPr>
@@ -6588,8 +6140,8 @@
         </p:nvSpPr>
         <p:spPr>
           <a:xfrm>
-            <a:off x="1045028" y="2312675"/>
-            <a:ext cx="4130287" cy="3970318"/>
+            <a:off x="1403246" y="2873689"/>
+            <a:ext cx="4592201" cy="3139321"/>
           </a:xfrm>
           <a:prstGeom prst="rect">
             <a:avLst/>
@@ -6608,7 +6160,7 @@
             </a:pPr>
             <a:r>
               <a:rPr lang="pt-PT" b="1" dirty="0"/>
-              <a:t>Filtro de Eventos:</a:t>
+              <a:t>Sorts de Events:</a:t>
             </a:r>
           </a:p>
           <a:p>
@@ -6618,7 +6170,7 @@
             </a:pPr>
             <a:r>
               <a:rPr lang="pt-PT" dirty="0"/>
-              <a:t>Por Id</a:t>
+              <a:t>Por Preço</a:t>
             </a:r>
           </a:p>
           <a:p>
@@ -6628,7 +6180,7 @@
             </a:pPr>
             <a:r>
               <a:rPr lang="pt-PT" dirty="0"/>
-              <a:t>Por Nome do Local</a:t>
+              <a:t>Por Nome</a:t>
             </a:r>
           </a:p>
           <a:p>
@@ -6638,7 +6190,17 @@
             </a:pPr>
             <a:r>
               <a:rPr lang="pt-PT" dirty="0"/>
-              <a:t>Por Endereço</a:t>
+              <a:t>Por Ocupação</a:t>
+            </a:r>
+          </a:p>
+          <a:p>
+            <a:pPr marL="285750" indent="-285750">
+              <a:buFont typeface="Wingdings" panose="05000000000000000000" pitchFamily="2" charset="2"/>
+              <a:buChar char="§"/>
+            </a:pPr>
+            <a:r>
+              <a:rPr lang="pt-PT" b="1" dirty="0"/>
+              <a:t>Sort de Enterprises</a:t>
             </a:r>
           </a:p>
           <a:p>
@@ -6648,7 +6210,7 @@
             </a:pPr>
             <a:r>
               <a:rPr lang="pt-PT" dirty="0"/>
-              <a:t>Por Nome</a:t>
+              <a:t>Por Número de Eventos</a:t>
             </a:r>
           </a:p>
           <a:p>
@@ -6658,7 +6220,18 @@
             </a:pPr>
             <a:r>
               <a:rPr lang="pt-PT" dirty="0"/>
-              <a:t>Nas próximas horas (definidas pelo utilizador)</a:t>
+              <a:t>Por Nome</a:t>
+            </a:r>
+            <a:endParaRPr lang="pt-PT" b="1" dirty="0"/>
+          </a:p>
+          <a:p>
+            <a:pPr marL="285750" indent="-285750">
+              <a:buFont typeface="Wingdings" panose="05000000000000000000" pitchFamily="2" charset="2"/>
+              <a:buChar char="§"/>
+            </a:pPr>
+            <a:r>
+              <a:rPr lang="pt-PT" b="1" dirty="0"/>
+              <a:t>Sort de Cartões:</a:t>
             </a:r>
           </a:p>
           <a:p>
@@ -6668,44 +6241,7 @@
             </a:pPr>
             <a:r>
               <a:rPr lang="pt-PT" dirty="0"/>
-              <a:t>Por Datas:</a:t>
-            </a:r>
-          </a:p>
-          <a:p>
-            <a:pPr marL="1200150" lvl="2" indent="-285750">
-              <a:buFont typeface="Arial" panose="020B0604020202020204" pitchFamily="34" charset="0"/>
-              <a:buChar char="–"/>
-            </a:pPr>
-            <a:r>
-              <a:rPr lang="pt-PT" dirty="0"/>
-              <a:t>Entre Datas</a:t>
-            </a:r>
-          </a:p>
-          <a:p>
-            <a:pPr marL="1200150" lvl="2" indent="-285750">
-              <a:buFont typeface="Arial" panose="020B0604020202020204" pitchFamily="34" charset="0"/>
-              <a:buChar char="–"/>
-            </a:pPr>
-            <a:r>
-              <a:rPr lang="pt-PT" dirty="0"/>
-              <a:t>Numa Data</a:t>
-            </a:r>
-          </a:p>
-          <a:p>
-            <a:pPr marL="285750" indent="-285750">
-              <a:buFont typeface="Wingdings" panose="05000000000000000000" pitchFamily="2" charset="2"/>
-              <a:buChar char="§"/>
-            </a:pPr>
-            <a:endParaRPr lang="pt-PT" b="1" dirty="0"/>
-          </a:p>
-          <a:p>
-            <a:pPr marL="285750" indent="-285750">
-              <a:buFont typeface="Wingdings" panose="05000000000000000000" pitchFamily="2" charset="2"/>
-              <a:buChar char="§"/>
-            </a:pPr>
-            <a:r>
-              <a:rPr lang="pt-PT" b="1" dirty="0"/>
-              <a:t>Filtro de Museus:</a:t>
+              <a:t>Por CC</a:t>
             </a:r>
           </a:p>
           <a:p>
@@ -6715,7 +6251,7 @@
             </a:pPr>
             <a:r>
               <a:rPr lang="pt-PT" dirty="0"/>
-              <a:t>Por Endereço</a:t>
+              <a:t>Por nata de nascimento</a:t>
             </a:r>
           </a:p>
           <a:p>
@@ -6743,7 +6279,7 @@
 </p:sld>
 </file>
 
-<file path=ppt/slides/slide9.xml><?xml version="1.0" encoding="utf-8"?>
+<file path=ppt/slides/slide8.xml><?xml version="1.0" encoding="utf-8"?>
 <p:sld xmlns:a="http://schemas.openxmlformats.org/drawingml/2006/main" xmlns:r="http://schemas.openxmlformats.org/officeDocument/2006/relationships" xmlns:p="http://schemas.openxmlformats.org/presentationml/2006/main">
   <p:cSld>
     <p:spTree>
@@ -6808,17 +6344,19 @@
         </p:nvSpPr>
         <p:spPr>
           <a:xfrm>
-            <a:off x="650594" y="238320"/>
-            <a:ext cx="9601200" cy="742950"/>
-          </a:xfrm>
-        </p:spPr>
-        <p:txBody>
-          <a:bodyPr/>
+            <a:off x="650593" y="238320"/>
+            <a:ext cx="10831254" cy="949457"/>
+          </a:xfrm>
+        </p:spPr>
+        <p:txBody>
+          <a:bodyPr>
+            <a:normAutofit fontScale="90000"/>
+          </a:bodyPr>
           <a:lstStyle/>
           <a:p>
             <a:r>
               <a:rPr lang="pt-PT" dirty="0"/>
-              <a:t>Destaque de funcionalidade - Menu</a:t>
+              <a:t>Destaque de funcionalidade – Repair Enterprises</a:t>
             </a:r>
           </a:p>
         </p:txBody>
@@ -6841,8 +6379,8 @@
         </p:nvSpPr>
         <p:spPr>
           <a:xfrm>
-            <a:off x="1102661" y="1102569"/>
-            <a:ext cx="10010098" cy="5755431"/>
+            <a:off x="1102661" y="1476660"/>
+            <a:ext cx="10010098" cy="5143020"/>
           </a:xfrm>
         </p:spPr>
         <p:txBody>
@@ -6858,7 +6396,29 @@
                   <a:schemeClr val="tx1"/>
                 </a:solidFill>
               </a:rPr>
-              <a:t>Para facilitar a implementação e aumentar a legibilidade das interfaces, foi criada uma classe Menu (abstrata), usada para a instanciação, escolha e listagem de menus e as suas opções</a:t>
+              <a:t>A pesquisa de Empresas de Reparação para reparar um edifício (Museu) à escolha do utilizador:</a:t>
+            </a:r>
+          </a:p>
+          <a:p>
+            <a:pPr lvl="1" algn="just"/>
+            <a:r>
+              <a:rPr lang="pt-PT" i="0" dirty="0">
+                <a:solidFill>
+                  <a:schemeClr val="tx1"/>
+                </a:solidFill>
+              </a:rPr>
+              <a:t>Foi utilizada uma stack para guardar temporariamente os elementos que não correspondem à informação pretendida</a:t>
+            </a:r>
+          </a:p>
+          <a:p>
+            <a:pPr lvl="1" algn="just"/>
+            <a:r>
+              <a:rPr lang="pt-PT" i="0" dirty="0">
+                <a:solidFill>
+                  <a:schemeClr val="tx1"/>
+                </a:solidFill>
+              </a:rPr>
+              <a:t>Após iterar sobre todos os elementos ou encontrar um que corresponda à pesquisa, os elementos são reinseridos.</a:t>
             </a:r>
           </a:p>
           <a:p>
@@ -6869,124 +6429,30 @@
                   <a:schemeClr val="tx1"/>
                 </a:solidFill>
               </a:rPr>
-              <a:t>No início da realização do projeto foram concebidos dois tipos de menus, derivados da classe Menu:</a:t>
+              <a:t>abc:</a:t>
             </a:r>
           </a:p>
           <a:p>
             <a:pPr lvl="1" algn="just"/>
             <a:r>
-              <a:rPr lang="pt-PT" b="1" i="0" dirty="0">
+              <a:rPr lang="pt-PT" i="0" dirty="0">
                 <a:solidFill>
                   <a:schemeClr val="tx1"/>
                 </a:solidFill>
               </a:rPr>
-              <a:t>MenuOptions </a:t>
-            </a:r>
+              <a:t>abc</a:t>
+            </a:r>
+          </a:p>
+          <a:p>
+            <a:pPr lvl="1" algn="just"/>
             <a:r>
               <a:rPr lang="pt-PT" i="0" dirty="0">
                 <a:solidFill>
                   <a:schemeClr val="tx1"/>
                 </a:solidFill>
               </a:rPr>
-              <a:t>- Menu que possui uma lista de opções em que cada uma representa um (outro) Menu</a:t>
-            </a:r>
-          </a:p>
-          <a:p>
-            <a:pPr lvl="1" algn="just"/>
-            <a:r>
-              <a:rPr lang="pt-PT" b="1" i="0" dirty="0">
-                <a:solidFill>
-                  <a:schemeClr val="tx1"/>
-                </a:solidFill>
-              </a:rPr>
-              <a:t>MenuSelect </a:t>
-            </a:r>
-            <a:r>
-              <a:rPr lang="pt-PT" i="0" dirty="0">
-                <a:solidFill>
-                  <a:schemeClr val="tx1"/>
-                </a:solidFill>
-              </a:rPr>
-              <a:t>- Menu que quando instanciado chama uma função (guardada num membro-dado do tipo </a:t>
-            </a:r>
-            <a:r>
-              <a:rPr lang="pt-PT" dirty="0">
-                <a:solidFill>
-                  <a:schemeClr val="tx1"/>
-                </a:solidFill>
-              </a:rPr>
-              <a:t>std::function</a:t>
-            </a:r>
-            <a:r>
-              <a:rPr lang="pt-PT" i="0" dirty="0">
-                <a:solidFill>
-                  <a:schemeClr val="tx1"/>
-                </a:solidFill>
-              </a:rPr>
-              <a:t>)</a:t>
-            </a:r>
-          </a:p>
-          <a:p>
-            <a:pPr algn="just"/>
-            <a:r>
-              <a:rPr lang="pt-PT" dirty="0">
-                <a:solidFill>
-                  <a:schemeClr val="tx1"/>
-                </a:solidFill>
-              </a:rPr>
-              <a:t>No entanto, para simplificar a seleção de elementos da Rede (eventos, museus, etc...) foram definidas mais duas classes de menus (usadas para filtragem de elementos):</a:t>
-            </a:r>
-          </a:p>
-          <a:p>
-            <a:pPr lvl="1" algn="just"/>
-            <a:r>
-              <a:rPr lang="pt-PT" b="1" i="0" dirty="0">
-                <a:solidFill>
-                  <a:schemeClr val="tx1"/>
-                </a:solidFill>
-              </a:rPr>
-              <a:t>MenuOptionsFilter&lt;Arg&gt;</a:t>
-            </a:r>
-            <a:r>
-              <a:rPr lang="pt-PT" i="0" dirty="0">
-                <a:solidFill>
-                  <a:schemeClr val="tx1"/>
-                </a:solidFill>
-              </a:rPr>
-              <a:t> - Menu que inicializa (quando esta não estiver inicializada) uma variável Arg com uma função dada. Possui uma lista de opções que quando selecionadas podem modificar Arg</a:t>
-            </a:r>
-          </a:p>
-          <a:p>
-            <a:pPr lvl="1" algn="just"/>
-            <a:r>
-              <a:rPr lang="pt-PT" b="1" i="0" dirty="0">
-                <a:solidFill>
-                  <a:schemeClr val="tx1"/>
-                </a:solidFill>
-              </a:rPr>
-              <a:t>MenuSelectFilter&lt;Arg&gt;</a:t>
-            </a:r>
-            <a:r>
-              <a:rPr lang="pt-PT" i="0" dirty="0">
-                <a:solidFill>
-                  <a:schemeClr val="tx1"/>
-                </a:solidFill>
-              </a:rPr>
-              <a:t> - Menu que altera a variável Arg, passada por referência, usando seu membro-dado do tipo </a:t>
-            </a:r>
-            <a:r>
-              <a:rPr lang="pt-PT" dirty="0">
-                <a:solidFill>
-                  <a:schemeClr val="tx1"/>
-                </a:solidFill>
-              </a:rPr>
-              <a:t>std::function</a:t>
-            </a:r>
-            <a:endParaRPr lang="pt-PT" i="0" dirty="0">
-              <a:solidFill>
-                <a:schemeClr val="tx1"/>
-              </a:solidFill>
-            </a:endParaRPr>
+              <a:t>abc</a:t>
+            </a:r>
           </a:p>
         </p:txBody>
       </p:sp>
@@ -6994,6 +6460,160 @@
     <p:extLst>
       <p:ext uri="{BB962C8B-B14F-4D97-AF65-F5344CB8AC3E}">
         <p14:creationId xmlns:p14="http://schemas.microsoft.com/office/powerpoint/2010/main" val="1238861794"/>
+      </p:ext>
+    </p:extLst>
+  </p:cSld>
+  <p:clrMapOvr>
+    <a:masterClrMapping/>
+  </p:clrMapOvr>
+</p:sld>
+</file>
+
+<file path=ppt/slides/slide9.xml><?xml version="1.0" encoding="utf-8"?>
+<p:sld xmlns:a="http://schemas.openxmlformats.org/drawingml/2006/main" xmlns:r="http://schemas.openxmlformats.org/officeDocument/2006/relationships" xmlns:p="http://schemas.openxmlformats.org/presentationml/2006/main">
+  <p:cSld>
+    <p:spTree>
+      <p:nvGrpSpPr>
+        <p:cNvPr id="1" name=""/>
+        <p:cNvGrpSpPr/>
+        <p:nvPr/>
+      </p:nvGrpSpPr>
+      <p:grpSpPr>
+        <a:xfrm>
+          <a:off x="0" y="0"/>
+          <a:ext cx="0" cy="0"/>
+          <a:chOff x="0" y="0"/>
+          <a:chExt cx="0" cy="0"/>
+        </a:xfrm>
+      </p:grpSpPr>
+      <p:pic>
+        <p:nvPicPr>
+          <p:cNvPr id="4" name="Picture 3">
+            <a:extLst>
+              <a:ext uri="{FF2B5EF4-FFF2-40B4-BE49-F238E27FC236}">
+                <a16:creationId xmlns:a16="http://schemas.microsoft.com/office/drawing/2014/main" id="{C3CAC7FE-F00A-4603-AE21-1918DC58F0C8}"/>
+              </a:ext>
+            </a:extLst>
+          </p:cNvPr>
+          <p:cNvPicPr>
+            <a:picLocks noChangeAspect="1"/>
+          </p:cNvPicPr>
+          <p:nvPr/>
+        </p:nvPicPr>
+        <p:blipFill>
+          <a:blip r:embed="rId2"/>
+          <a:stretch>
+            <a:fillRect/>
+          </a:stretch>
+        </p:blipFill>
+        <p:spPr>
+          <a:xfrm>
+            <a:off x="424561" y="-50563"/>
+            <a:ext cx="452067" cy="7005036"/>
+          </a:xfrm>
+          <a:prstGeom prst="rect">
+            <a:avLst/>
+          </a:prstGeom>
+        </p:spPr>
+      </p:pic>
+      <p:sp>
+        <p:nvSpPr>
+          <p:cNvPr id="2" name="Título 1">
+            <a:extLst>
+              <a:ext uri="{FF2B5EF4-FFF2-40B4-BE49-F238E27FC236}">
+                <a16:creationId xmlns:a16="http://schemas.microsoft.com/office/drawing/2014/main" id="{48E84EA3-28D2-4004-8EF3-501B6C9D3FA2}"/>
+              </a:ext>
+            </a:extLst>
+          </p:cNvPr>
+          <p:cNvSpPr>
+            <a:spLocks noGrp="1"/>
+          </p:cNvSpPr>
+          <p:nvPr>
+            <p:ph type="title"/>
+          </p:nvPr>
+        </p:nvSpPr>
+        <p:spPr>
+          <a:xfrm>
+            <a:off x="650594" y="247650"/>
+            <a:ext cx="9601200" cy="1485900"/>
+          </a:xfrm>
+        </p:spPr>
+        <p:txBody>
+          <a:bodyPr/>
+          <a:lstStyle/>
+          <a:p>
+            <a:r>
+              <a:rPr lang="pt-PT" dirty="0"/>
+              <a:t>Principais dificuldades encontradas e esforço de cada elemento do grupo</a:t>
+            </a:r>
+          </a:p>
+        </p:txBody>
+      </p:sp>
+      <p:sp>
+        <p:nvSpPr>
+          <p:cNvPr id="3" name="Marcador de Posição de Conteúdo 2">
+            <a:extLst>
+              <a:ext uri="{FF2B5EF4-FFF2-40B4-BE49-F238E27FC236}">
+                <a16:creationId xmlns:a16="http://schemas.microsoft.com/office/drawing/2014/main" id="{5211137E-6CA3-4EB0-9815-1A3FC540E8EC}"/>
+              </a:ext>
+            </a:extLst>
+          </p:cNvPr>
+          <p:cNvSpPr>
+            <a:spLocks noGrp="1"/>
+          </p:cNvSpPr>
+          <p:nvPr>
+            <p:ph idx="1"/>
+          </p:nvPr>
+        </p:nvSpPr>
+        <p:spPr>
+          <a:xfrm>
+            <a:off x="876627" y="1733550"/>
+            <a:ext cx="10890811" cy="4879054"/>
+          </a:xfrm>
+        </p:spPr>
+        <p:txBody>
+          <a:bodyPr>
+            <a:normAutofit/>
+          </a:bodyPr>
+          <a:lstStyle/>
+          <a:p>
+            <a:pPr fontAlgn="base"/>
+            <a:r>
+              <a:rPr lang="pt-PT" dirty="0"/>
+              <a:t>O trabalho foi distribuído de maneira homogénea por todos os elementos do grupo</a:t>
+            </a:r>
+          </a:p>
+          <a:p>
+            <a:pPr fontAlgn="base"/>
+            <a:r>
+              <a:rPr lang="pt-PT" dirty="0"/>
+              <a:t>As principais dificuldades encontradas foram: </a:t>
+            </a:r>
+          </a:p>
+          <a:p>
+            <a:pPr lvl="1" fontAlgn="base"/>
+            <a:r>
+              <a:rPr lang="pt-PT" i="0" dirty="0"/>
+              <a:t>O uso de estruturas não lineares dificultoi o uso dos filters do nossos menus: devíamos ter usado iteradores desde o início. A filtragem de ‘std::set’ continua eficiente, mas o código já não é tão geral.</a:t>
+            </a:r>
+          </a:p>
+          <a:p>
+            <a:pPr lvl="1" fontAlgn="base"/>
+            <a:r>
+              <a:rPr lang="pt-PT" i="0" dirty="0"/>
+              <a:t>A forma como o operador ‘&lt;‘ foi definido para a BST de museus (pedido no enunciado) dificulta a procura de museus na BST (comparação de igualdade entre museus não pode ser feita com o uso do operador ‘&lt;‘). O grupo concorda que este operador não permite utilizar ao máximo as propriedades de uma BST, mas seguimos o enunciado.</a:t>
+            </a:r>
+          </a:p>
+          <a:p>
+            <a:pPr lvl="1" fontAlgn="base"/>
+            <a:endParaRPr lang="pt-PT" i="0" dirty="0"/>
+          </a:p>
+        </p:txBody>
+      </p:sp>
+    </p:spTree>
+    <p:extLst>
+      <p:ext uri="{BB962C8B-B14F-4D97-AF65-F5344CB8AC3E}">
+        <p14:creationId xmlns:p14="http://schemas.microsoft.com/office/powerpoint/2010/main" val="316349107"/>
       </p:ext>
     </p:extLst>
   </p:cSld>

--- a/AEDA_-_Cartao_Museus_de_Portugal_parte_2.pptx
+++ b/AEDA_-_Cartao_Museus_de_Portugal_parte_2.pptx
@@ -206,7 +206,7 @@
           <a:p>
             <a:fld id="{34BD70C7-4E8C-4886-A885-5C4875E9B61A}" type="datetimeFigureOut">
               <a:rPr lang="pt-PT" smtClean="0"/>
-              <a:t>01/01/2020</a:t>
+              <a:t>02/01/2020</a:t>
             </a:fld>
             <a:endParaRPr lang="pt-PT"/>
           </a:p>
@@ -365,7 +365,7 @@
           <a:p>
             <a:fld id="{2991BF60-D1CF-43CF-94A6-F80ED6A8E0B7}" type="slidenum">
               <a:rPr lang="pt-PT" smtClean="0"/>
-              <a:t>‹#›</a:t>
+              <a:t>‹nº›</a:t>
             </a:fld>
             <a:endParaRPr lang="pt-PT"/>
           </a:p>
@@ -896,7 +896,7 @@
             <a:fld id="{87DE6118-2437-4B30-8E3C-4D2BE6020583}" type="datetimeFigureOut">
               <a:rPr lang="en-US" smtClean="0"/>
               <a:pPr/>
-              <a:t>1/1/2020</a:t>
+              <a:t>1/2/2020</a:t>
             </a:fld>
             <a:endParaRPr lang="en-US" dirty="0"/>
           </a:p>
@@ -965,7 +965,7 @@
             <a:fld id="{69E57DC2-970A-4B3E-BB1C-7A09969E49DF}" type="slidenum">
               <a:rPr lang="en-US" smtClean="0"/>
               <a:pPr/>
-              <a:t>‹#›</a:t>
+              <a:t>‹nº›</a:t>
             </a:fld>
             <a:endParaRPr lang="en-US" dirty="0"/>
           </a:p>
@@ -1228,7 +1228,7 @@
             <a:fld id="{87DE6118-2437-4B30-8E3C-4D2BE6020583}" type="datetimeFigureOut">
               <a:rPr lang="en-US" smtClean="0"/>
               <a:pPr/>
-              <a:t>1/1/2020</a:t>
+              <a:t>1/2/2020</a:t>
             </a:fld>
             <a:endParaRPr lang="en-US" dirty="0"/>
           </a:p>
@@ -1271,7 +1271,7 @@
             <a:fld id="{69E57DC2-970A-4B3E-BB1C-7A09969E49DF}" type="slidenum">
               <a:rPr lang="en-US" smtClean="0"/>
               <a:pPr/>
-              <a:t>‹#›</a:t>
+              <a:t>‹nº›</a:t>
             </a:fld>
             <a:endParaRPr lang="en-US" dirty="0"/>
           </a:p>
@@ -1410,7 +1410,7 @@
             <a:fld id="{87DE6118-2437-4B30-8E3C-4D2BE6020583}" type="datetimeFigureOut">
               <a:rPr lang="en-US" smtClean="0"/>
               <a:pPr/>
-              <a:t>1/1/2020</a:t>
+              <a:t>1/2/2020</a:t>
             </a:fld>
             <a:endParaRPr lang="en-US" dirty="0"/>
           </a:p>
@@ -1453,7 +1453,7 @@
             <a:fld id="{69E57DC2-970A-4B3E-BB1C-7A09969E49DF}" type="slidenum">
               <a:rPr lang="en-US" smtClean="0"/>
               <a:pPr/>
-              <a:t>‹#›</a:t>
+              <a:t>‹nº›</a:t>
             </a:fld>
             <a:endParaRPr lang="en-US" dirty="0"/>
           </a:p>
@@ -1582,7 +1582,7 @@
             <a:fld id="{87DE6118-2437-4B30-8E3C-4D2BE6020583}" type="datetimeFigureOut">
               <a:rPr lang="en-US" smtClean="0"/>
               <a:pPr/>
-              <a:t>1/1/2020</a:t>
+              <a:t>1/2/2020</a:t>
             </a:fld>
             <a:endParaRPr lang="en-US" dirty="0"/>
           </a:p>
@@ -1625,7 +1625,7 @@
             <a:fld id="{69E57DC2-970A-4B3E-BB1C-7A09969E49DF}" type="slidenum">
               <a:rPr lang="en-US" smtClean="0"/>
               <a:pPr/>
-              <a:t>‹#›</a:t>
+              <a:t>‹nº›</a:t>
             </a:fld>
             <a:endParaRPr lang="en-US" dirty="0"/>
           </a:p>
@@ -1861,7 +1861,7 @@
             <a:fld id="{87DE6118-2437-4B30-8E3C-4D2BE6020583}" type="datetimeFigureOut">
               <a:rPr lang="en-US" smtClean="0"/>
               <a:pPr/>
-              <a:t>1/1/2020</a:t>
+              <a:t>1/2/2020</a:t>
             </a:fld>
             <a:endParaRPr lang="en-US" dirty="0"/>
           </a:p>
@@ -1930,7 +1930,7 @@
             <a:fld id="{69E57DC2-970A-4B3E-BB1C-7A09969E49DF}" type="slidenum">
               <a:rPr lang="en-US" smtClean="0"/>
               <a:pPr/>
-              <a:t>‹#›</a:t>
+              <a:t>‹nº›</a:t>
             </a:fld>
             <a:endParaRPr lang="en-US" dirty="0"/>
           </a:p>
@@ -2257,7 +2257,7 @@
             <a:fld id="{87DE6118-2437-4B30-8E3C-4D2BE6020583}" type="datetimeFigureOut">
               <a:rPr lang="en-US" smtClean="0"/>
               <a:pPr/>
-              <a:t>1/1/2020</a:t>
+              <a:t>1/2/2020</a:t>
             </a:fld>
             <a:endParaRPr lang="en-US" dirty="0"/>
           </a:p>
@@ -2300,7 +2300,7 @@
             <a:fld id="{69E57DC2-970A-4B3E-BB1C-7A09969E49DF}" type="slidenum">
               <a:rPr lang="en-US" smtClean="0"/>
               <a:pPr/>
-              <a:t>‹#›</a:t>
+              <a:t>‹nº›</a:t>
             </a:fld>
             <a:endParaRPr lang="en-US" dirty="0"/>
           </a:p>
@@ -2736,7 +2736,7 @@
             <a:fld id="{87DE6118-2437-4B30-8E3C-4D2BE6020583}" type="datetimeFigureOut">
               <a:rPr lang="en-US" smtClean="0"/>
               <a:pPr/>
-              <a:t>1/1/2020</a:t>
+              <a:t>1/2/2020</a:t>
             </a:fld>
             <a:endParaRPr lang="en-US" dirty="0"/>
           </a:p>
@@ -2779,7 +2779,7 @@
             <a:fld id="{69E57DC2-970A-4B3E-BB1C-7A09969E49DF}" type="slidenum">
               <a:rPr lang="en-US" smtClean="0"/>
               <a:pPr/>
-              <a:t>‹#›</a:t>
+              <a:t>‹nº›</a:t>
             </a:fld>
             <a:endParaRPr lang="en-US" dirty="0"/>
           </a:p>
@@ -2856,7 +2856,7 @@
             <a:fld id="{87DE6118-2437-4B30-8E3C-4D2BE6020583}" type="datetimeFigureOut">
               <a:rPr lang="en-US" smtClean="0"/>
               <a:pPr/>
-              <a:t>1/1/2020</a:t>
+              <a:t>1/2/2020</a:t>
             </a:fld>
             <a:endParaRPr lang="en-US" dirty="0"/>
           </a:p>
@@ -2899,7 +2899,7 @@
             <a:fld id="{69E57DC2-970A-4B3E-BB1C-7A09969E49DF}" type="slidenum">
               <a:rPr lang="en-US" smtClean="0"/>
               <a:pPr/>
-              <a:t>‹#›</a:t>
+              <a:t>‹nº›</a:t>
             </a:fld>
             <a:endParaRPr lang="en-US" dirty="0"/>
           </a:p>
@@ -2953,7 +2953,7 @@
             <a:fld id="{87DE6118-2437-4B30-8E3C-4D2BE6020583}" type="datetimeFigureOut">
               <a:rPr lang="en-US" smtClean="0"/>
               <a:pPr/>
-              <a:t>1/1/2020</a:t>
+              <a:t>1/2/2020</a:t>
             </a:fld>
             <a:endParaRPr lang="en-US" dirty="0"/>
           </a:p>
@@ -2996,7 +2996,7 @@
             <a:fld id="{69E57DC2-970A-4B3E-BB1C-7A09969E49DF}" type="slidenum">
               <a:rPr lang="en-US" smtClean="0"/>
               <a:pPr/>
-              <a:t>‹#›</a:t>
+              <a:t>‹nº›</a:t>
             </a:fld>
             <a:endParaRPr lang="en-US" dirty="0"/>
           </a:p>
@@ -3301,7 +3301,7 @@
             <a:fld id="{87DE6118-2437-4B30-8E3C-4D2BE6020583}" type="datetimeFigureOut">
               <a:rPr lang="en-US" smtClean="0"/>
               <a:pPr/>
-              <a:t>1/1/2020</a:t>
+              <a:t>1/2/2020</a:t>
             </a:fld>
             <a:endParaRPr lang="en-US" dirty="0"/>
           </a:p>
@@ -3370,7 +3370,7 @@
             <a:fld id="{69E57DC2-970A-4B3E-BB1C-7A09969E49DF}" type="slidenum">
               <a:rPr lang="en-US" smtClean="0"/>
               <a:pPr/>
-              <a:t>‹#›</a:t>
+              <a:t>‹nº›</a:t>
             </a:fld>
             <a:endParaRPr lang="en-US" dirty="0"/>
           </a:p>
@@ -3690,7 +3690,7 @@
             <a:fld id="{87DE6118-2437-4B30-8E3C-4D2BE6020583}" type="datetimeFigureOut">
               <a:rPr lang="en-US" smtClean="0"/>
               <a:pPr/>
-              <a:t>1/1/2020</a:t>
+              <a:t>1/2/2020</a:t>
             </a:fld>
             <a:endParaRPr lang="en-US" dirty="0"/>
           </a:p>
@@ -3759,7 +3759,7 @@
             <a:fld id="{69E57DC2-970A-4B3E-BB1C-7A09969E49DF}" type="slidenum">
               <a:rPr lang="en-US" smtClean="0"/>
               <a:pPr/>
-              <a:t>‹#›</a:t>
+              <a:t>‹nº›</a:t>
             </a:fld>
             <a:endParaRPr lang="en-US" dirty="0"/>
           </a:p>
@@ -3970,7 +3970,7 @@
             <a:fld id="{87DE6118-2437-4B30-8E3C-4D2BE6020583}" type="datetimeFigureOut">
               <a:rPr lang="en-US" smtClean="0"/>
               <a:pPr/>
-              <a:t>1/1/2020</a:t>
+              <a:t>1/2/2020</a:t>
             </a:fld>
             <a:endParaRPr lang="en-US" dirty="0"/>
           </a:p>
@@ -4045,7 +4045,7 @@
             <a:fld id="{69E57DC2-970A-4B3E-BB1C-7A09969E49DF}" type="slidenum">
               <a:rPr lang="en-US" smtClean="0"/>
               <a:pPr/>
-              <a:t>‹#›</a:t>
+              <a:t>‹nº›</a:t>
             </a:fld>
             <a:endParaRPr lang="en-US" dirty="0"/>
           </a:p>
@@ -5122,7 +5122,39 @@
                   <a:schemeClr val="tx1"/>
                 </a:solidFill>
               </a:rPr>
-              <a:t>Tal como pedido, os Museus numa BST (std::set), as Empresas de Reparação numa priority queue (std::priority_queue) e os Trabalhadores do estado numa hashtable (std::unordered_set)</a:t>
+              <a:t>Tal como pedido, os Museus numa BST (std::set), as Empresas de Reparação numa priority queue (std::priority_queue) e os Trabalhadores do estado numa </a:t>
+            </a:r>
+            <a:r>
+              <a:rPr lang="pt-PT" sz="1800" i="0" dirty="0" err="1">
+                <a:solidFill>
+                  <a:schemeClr val="tx1"/>
+                </a:solidFill>
+              </a:rPr>
+              <a:t>hashtable</a:t>
+            </a:r>
+            <a:r>
+              <a:rPr lang="pt-PT" sz="1800" i="0" dirty="0">
+                <a:solidFill>
+                  <a:schemeClr val="tx1"/>
+                </a:solidFill>
+              </a:rPr>
+              <a:t> (std::</a:t>
+            </a:r>
+            <a:r>
+              <a:rPr lang="pt-PT" sz="1800" i="0" dirty="0" err="1">
+                <a:solidFill>
+                  <a:schemeClr val="tx1"/>
+                </a:solidFill>
+              </a:rPr>
+              <a:t>unordered_set</a:t>
+            </a:r>
+            <a:r>
+              <a:rPr lang="pt-PT" sz="1800" i="0" dirty="0">
+                <a:solidFill>
+                  <a:schemeClr val="tx1"/>
+                </a:solidFill>
+              </a:rPr>
+              <a:t>).</a:t>
             </a:r>
           </a:p>
           <a:p>
@@ -5585,7 +5617,7 @@
                   <a:schemeClr val="tx1"/>
                 </a:solidFill>
               </a:rPr>
-              <a:t>As funcionalidades de CRUD foram mantidas para as antigas classes (Museus, Empresas de Eventos, Cartões e Eventos) e foram completamente implementadas para Trabalhadores do Estado e Empresas de Reparações</a:t>
+              <a:t>As funcionalidades de CRUD foram mantidas (pois já estavam completas na totalidade) para as antigas classes (Museus, Empresas de Eventos, Cartões e Eventos) e foram completamente implementadas para Trabalhadores do Estado e Empresas de Reparações.</a:t>
             </a:r>
           </a:p>
           <a:p>
@@ -5606,7 +5638,7 @@
                   <a:schemeClr val="tx1"/>
                 </a:solidFill>
               </a:rPr>
-              <a:t>Contratação e despedimento de Trabalhadores do Estado</a:t>
+              <a:t>Contratação e despedimento de Trabalhadores do Estado.</a:t>
             </a:r>
           </a:p>
           <a:p>
@@ -5617,8 +5649,30 @@
                   <a:schemeClr val="tx1"/>
                 </a:solidFill>
               </a:rPr>
-              <a:t>Reparar um Museu</a:t>
-            </a:r>
+              <a:t>Reparar um Museu.</a:t>
+            </a:r>
+          </a:p>
+          <a:p>
+            <a:pPr lvl="1"/>
+            <a:r>
+              <a:rPr lang="pt-PT" i="0" dirty="0">
+                <a:solidFill>
+                  <a:schemeClr val="tx1"/>
+                </a:solidFill>
+              </a:rPr>
+              <a:t>Efetuar a visita de um museu como detentor de um cartão </a:t>
+            </a:r>
+            <a:r>
+              <a:rPr lang="pt-PT" dirty="0">
+                <a:solidFill>
+                  <a:schemeClr val="tx1"/>
+                </a:solidFill>
+              </a:rPr>
+              <a:t>Amigo dos Museus de Portugal</a:t>
+            </a:r>
+          </a:p>
+          <a:p>
+            <a:pPr lvl="1"/>
             <a:endParaRPr lang="pt-PT" dirty="0">
               <a:solidFill>
                 <a:schemeClr val="tx1"/>
@@ -5632,7 +5686,7 @@
                   <a:schemeClr val="tx1"/>
                 </a:solidFill>
               </a:rPr>
-              <a:t>As Empresas de Eventos e as Empresas de Reparações ambas derivam de uma classe base Empresa Base, visto partilharem bastante informação semelhante. A classe Empresa Base foi definida para este trabalho e a antiga classe Empresa de Eventos foi adaptada para derivar desta</a:t>
+              <a:t>As Empresas de Eventos e as Empresas de Reparações ambas derivam de uma classe base Empresa Base, visto partilharem bastante informação semelhante. A classe Empresa Base foi definida para este trabalho e a antiga classe Empresa de Eventos foi adaptada para derivar desta.</a:t>
             </a:r>
           </a:p>
         </p:txBody>
@@ -5751,12 +5805,12 @@
         <p:spPr>
           <a:xfrm>
             <a:off x="876628" y="1171637"/>
-            <a:ext cx="10935477" cy="1098487"/>
+            <a:ext cx="10935477" cy="1656404"/>
           </a:xfrm>
         </p:spPr>
         <p:txBody>
           <a:bodyPr>
-            <a:normAutofit lnSpcReduction="10000"/>
+            <a:normAutofit/>
           </a:bodyPr>
           <a:lstStyle/>
           <a:p>
@@ -5769,7 +5823,7 @@
                   <a:schemeClr val="tx1"/>
                 </a:solidFill>
               </a:rPr>
-              <a:t>Todas as operações de listagem e seleção de aglomerados de informação têm filtros distintos para ajudar a navegar pela grande quantidade de dados apresentados pela Rede.</a:t>
+              <a:t>Todas as operações de listagem e seleção de aglomerados de informação têm filtros distintos para ajudar a navegar pela grande quantidade de dados apresentados pela Rede. </a:t>
             </a:r>
           </a:p>
           <a:p>
@@ -6350,13 +6404,13 @@
         </p:spPr>
         <p:txBody>
           <a:bodyPr>
-            <a:normAutofit fontScale="90000"/>
+            <a:normAutofit/>
           </a:bodyPr>
           <a:lstStyle/>
           <a:p>
             <a:r>
               <a:rPr lang="pt-PT" dirty="0"/>
-              <a:t>Destaque de funcionalidade – Repair Enterprises</a:t>
+              <a:t>Funcionalidades a destacar</a:t>
             </a:r>
           </a:p>
         </p:txBody>
@@ -6407,7 +6461,7 @@
                   <a:schemeClr val="tx1"/>
                 </a:solidFill>
               </a:rPr>
-              <a:t>Foi utilizada uma stack para guardar temporariamente os elementos que não correspondem à informação pretendida</a:t>
+              <a:t>Foi utilizada uma stack para guardar temporariamente os elementos que não correspondem à informação pretendida.</a:t>
             </a:r>
           </a:p>
           <a:p>
@@ -6429,7 +6483,7 @@
                   <a:schemeClr val="tx1"/>
                 </a:solidFill>
               </a:rPr>
-              <a:t>abc:</a:t>
+              <a:t>O uso da classe auxiliar Menu, que facilitou:</a:t>
             </a:r>
           </a:p>
           <a:p>
@@ -6440,7 +6494,23 @@
                   <a:schemeClr val="tx1"/>
                 </a:solidFill>
               </a:rPr>
-              <a:t>abc</a:t>
+              <a:t>A seleção de elementos da rede (quando era necessário visitar um museu, reparar um museu, </a:t>
+            </a:r>
+            <a:r>
+              <a:rPr lang="pt-PT" i="0" dirty="0" err="1">
+                <a:solidFill>
+                  <a:schemeClr val="tx1"/>
+                </a:solidFill>
+              </a:rPr>
+              <a:t>etc</a:t>
+            </a:r>
+            <a:r>
+              <a:rPr lang="pt-PT" i="0" dirty="0">
+                <a:solidFill>
+                  <a:schemeClr val="tx1"/>
+                </a:solidFill>
+              </a:rPr>
+              <a:t> …)</a:t>
             </a:r>
           </a:p>
           <a:p>
@@ -6451,7 +6521,34 @@
                   <a:schemeClr val="tx1"/>
                 </a:solidFill>
               </a:rPr>
-              <a:t>abc</a:t>
+              <a:t>A remoção de vários elementos em simultâneo da rede</a:t>
+            </a:r>
+          </a:p>
+          <a:p>
+            <a:pPr lvl="1" algn="just"/>
+            <a:r>
+              <a:rPr lang="pt-PT" i="0" dirty="0">
+                <a:solidFill>
+                  <a:schemeClr val="tx1"/>
+                </a:solidFill>
+              </a:rPr>
+              <a:t>O uso de filtros e </a:t>
+            </a:r>
+            <a:r>
+              <a:rPr lang="pt-PT" i="0" dirty="0" err="1">
+                <a:solidFill>
+                  <a:schemeClr val="tx1"/>
+                </a:solidFill>
+              </a:rPr>
+              <a:t>sorts</a:t>
+            </a:r>
+            <a:r>
+              <a:rPr lang="pt-PT" i="0" dirty="0">
+                <a:solidFill>
+                  <a:schemeClr val="tx1"/>
+                </a:solidFill>
+              </a:rPr>
+              <a:t> na listagem de aglomerados</a:t>
             </a:r>
           </a:p>
         </p:txBody>
@@ -7177,9 +7274,12 @@
 </file>
 
 <file path=customXml/item1.xml><?xml version="1.0" encoding="utf-8"?>
-<p:properties xmlns:p="http://schemas.microsoft.com/office/2006/metadata/properties" xmlns:xsi="http://www.w3.org/2001/XMLSchema-instance" xmlns:pc="http://schemas.microsoft.com/office/infopath/2007/PartnerControls">
-  <documentManagement/>
-</p:properties>
+<?mso-contentType ?>
+<FormTemplates xmlns="http://schemas.microsoft.com/sharepoint/v3/contenttype/forms">
+  <Display>DocumentLibraryForm</Display>
+  <Edit>DocumentLibraryForm</Edit>
+  <New>DocumentLibraryForm</New>
+</FormTemplates>
 </file>
 
 <file path=customXml/item2.xml><?xml version="1.0" encoding="utf-8"?>
@@ -7353,26 +7453,15 @@
 </file>
 
 <file path=customXml/item3.xml><?xml version="1.0" encoding="utf-8"?>
-<?mso-contentType ?>
-<FormTemplates xmlns="http://schemas.microsoft.com/sharepoint/v3/contenttype/forms">
-  <Display>DocumentLibraryForm</Display>
-  <Edit>DocumentLibraryForm</Edit>
-  <New>DocumentLibraryForm</New>
-</FormTemplates>
+<p:properties xmlns:p="http://schemas.microsoft.com/office/2006/metadata/properties" xmlns:xsi="http://www.w3.org/2001/XMLSchema-instance" xmlns:pc="http://schemas.microsoft.com/office/infopath/2007/PartnerControls">
+  <documentManagement/>
+</p:properties>
 </file>
 
 <file path=customXml/itemProps1.xml><?xml version="1.0" encoding="utf-8"?>
-<ds:datastoreItem xmlns:ds="http://schemas.openxmlformats.org/officeDocument/2006/customXml" ds:itemID="{C31DC4EE-CE8D-44D1-B01D-8FBB19F3B6D4}">
+<ds:datastoreItem xmlns:ds="http://schemas.openxmlformats.org/officeDocument/2006/customXml" ds:itemID="{7680A571-770C-406E-943B-80D479BFC2E3}">
   <ds:schemaRefs>
-    <ds:schemaRef ds:uri="http://purl.org/dc/dcmitype/"/>
-    <ds:schemaRef ds:uri="http://schemas.openxmlformats.org/package/2006/metadata/core-properties"/>
-    <ds:schemaRef ds:uri="http://purl.org/dc/elements/1.1/"/>
-    <ds:schemaRef ds:uri="http://purl.org/dc/terms/"/>
-    <ds:schemaRef ds:uri="http://schemas.microsoft.com/office/infopath/2007/PartnerControls"/>
-    <ds:schemaRef ds:uri="http://schemas.microsoft.com/office/2006/metadata/properties"/>
-    <ds:schemaRef ds:uri="http://schemas.microsoft.com/office/2006/documentManagement/types"/>
-    <ds:schemaRef ds:uri="6ce73d69-b8d4-4b83-a6ca-cd828de064d5"/>
-    <ds:schemaRef ds:uri="http://www.w3.org/XML/1998/namespace"/>
+    <ds:schemaRef ds:uri="http://schemas.microsoft.com/sharepoint/v3/contenttype/forms"/>
   </ds:schemaRefs>
 </ds:datastoreItem>
 </file>
@@ -7396,9 +7485,17 @@
 </file>
 
 <file path=customXml/itemProps3.xml><?xml version="1.0" encoding="utf-8"?>
-<ds:datastoreItem xmlns:ds="http://schemas.openxmlformats.org/officeDocument/2006/customXml" ds:itemID="{7680A571-770C-406E-943B-80D479BFC2E3}">
+<ds:datastoreItem xmlns:ds="http://schemas.openxmlformats.org/officeDocument/2006/customXml" ds:itemID="{C31DC4EE-CE8D-44D1-B01D-8FBB19F3B6D4}">
   <ds:schemaRefs>
-    <ds:schemaRef ds:uri="http://schemas.microsoft.com/sharepoint/v3/contenttype/forms"/>
+    <ds:schemaRef ds:uri="http://purl.org/dc/dcmitype/"/>
+    <ds:schemaRef ds:uri="http://schemas.openxmlformats.org/package/2006/metadata/core-properties"/>
+    <ds:schemaRef ds:uri="http://purl.org/dc/elements/1.1/"/>
+    <ds:schemaRef ds:uri="http://purl.org/dc/terms/"/>
+    <ds:schemaRef ds:uri="http://schemas.microsoft.com/office/infopath/2007/PartnerControls"/>
+    <ds:schemaRef ds:uri="http://schemas.microsoft.com/office/2006/metadata/properties"/>
+    <ds:schemaRef ds:uri="http://schemas.microsoft.com/office/2006/documentManagement/types"/>
+    <ds:schemaRef ds:uri="6ce73d69-b8d4-4b83-a6ca-cd828de064d5"/>
+    <ds:schemaRef ds:uri="http://www.w3.org/XML/1998/namespace"/>
   </ds:schemaRefs>
 </ds:datastoreItem>
 </file>
--- a/AEDA_-_Cartao_Museus_de_Portugal_parte_2.pptx
+++ b/AEDA_-_Cartao_Museus_de_Portugal_parte_2.pptx
@@ -206,7 +206,7 @@
           <a:p>
             <a:fld id="{34BD70C7-4E8C-4886-A885-5C4875E9B61A}" type="datetimeFigureOut">
               <a:rPr lang="pt-PT" smtClean="0"/>
-              <a:t>02/01/2020</a:t>
+              <a:t>03/01/2020</a:t>
             </a:fld>
             <a:endParaRPr lang="pt-PT"/>
           </a:p>
@@ -896,7 +896,7 @@
             <a:fld id="{87DE6118-2437-4B30-8E3C-4D2BE6020583}" type="datetimeFigureOut">
               <a:rPr lang="en-US" smtClean="0"/>
               <a:pPr/>
-              <a:t>1/2/2020</a:t>
+              <a:t>1/3/2020</a:t>
             </a:fld>
             <a:endParaRPr lang="en-US" dirty="0"/>
           </a:p>
@@ -1228,7 +1228,7 @@
             <a:fld id="{87DE6118-2437-4B30-8E3C-4D2BE6020583}" type="datetimeFigureOut">
               <a:rPr lang="en-US" smtClean="0"/>
               <a:pPr/>
-              <a:t>1/2/2020</a:t>
+              <a:t>1/3/2020</a:t>
             </a:fld>
             <a:endParaRPr lang="en-US" dirty="0"/>
           </a:p>
@@ -1410,7 +1410,7 @@
             <a:fld id="{87DE6118-2437-4B30-8E3C-4D2BE6020583}" type="datetimeFigureOut">
               <a:rPr lang="en-US" smtClean="0"/>
               <a:pPr/>
-              <a:t>1/2/2020</a:t>
+              <a:t>1/3/2020</a:t>
             </a:fld>
             <a:endParaRPr lang="en-US" dirty="0"/>
           </a:p>
@@ -1582,7 +1582,7 @@
             <a:fld id="{87DE6118-2437-4B30-8E3C-4D2BE6020583}" type="datetimeFigureOut">
               <a:rPr lang="en-US" smtClean="0"/>
               <a:pPr/>
-              <a:t>1/2/2020</a:t>
+              <a:t>1/3/2020</a:t>
             </a:fld>
             <a:endParaRPr lang="en-US" dirty="0"/>
           </a:p>
@@ -1861,7 +1861,7 @@
             <a:fld id="{87DE6118-2437-4B30-8E3C-4D2BE6020583}" type="datetimeFigureOut">
               <a:rPr lang="en-US" smtClean="0"/>
               <a:pPr/>
-              <a:t>1/2/2020</a:t>
+              <a:t>1/3/2020</a:t>
             </a:fld>
             <a:endParaRPr lang="en-US" dirty="0"/>
           </a:p>
@@ -2257,7 +2257,7 @@
             <a:fld id="{87DE6118-2437-4B30-8E3C-4D2BE6020583}" type="datetimeFigureOut">
               <a:rPr lang="en-US" smtClean="0"/>
               <a:pPr/>
-              <a:t>1/2/2020</a:t>
+              <a:t>1/3/2020</a:t>
             </a:fld>
             <a:endParaRPr lang="en-US" dirty="0"/>
           </a:p>
@@ -2736,7 +2736,7 @@
             <a:fld id="{87DE6118-2437-4B30-8E3C-4D2BE6020583}" type="datetimeFigureOut">
               <a:rPr lang="en-US" smtClean="0"/>
               <a:pPr/>
-              <a:t>1/2/2020</a:t>
+              <a:t>1/3/2020</a:t>
             </a:fld>
             <a:endParaRPr lang="en-US" dirty="0"/>
           </a:p>
@@ -2856,7 +2856,7 @@
             <a:fld id="{87DE6118-2437-4B30-8E3C-4D2BE6020583}" type="datetimeFigureOut">
               <a:rPr lang="en-US" smtClean="0"/>
               <a:pPr/>
-              <a:t>1/2/2020</a:t>
+              <a:t>1/3/2020</a:t>
             </a:fld>
             <a:endParaRPr lang="en-US" dirty="0"/>
           </a:p>
@@ -2953,7 +2953,7 @@
             <a:fld id="{87DE6118-2437-4B30-8E3C-4D2BE6020583}" type="datetimeFigureOut">
               <a:rPr lang="en-US" smtClean="0"/>
               <a:pPr/>
-              <a:t>1/2/2020</a:t>
+              <a:t>1/3/2020</a:t>
             </a:fld>
             <a:endParaRPr lang="en-US" dirty="0"/>
           </a:p>
@@ -3301,7 +3301,7 @@
             <a:fld id="{87DE6118-2437-4B30-8E3C-4D2BE6020583}" type="datetimeFigureOut">
               <a:rPr lang="en-US" smtClean="0"/>
               <a:pPr/>
-              <a:t>1/2/2020</a:t>
+              <a:t>1/3/2020</a:t>
             </a:fld>
             <a:endParaRPr lang="en-US" dirty="0"/>
           </a:p>
@@ -3690,7 +3690,7 @@
             <a:fld id="{87DE6118-2437-4B30-8E3C-4D2BE6020583}" type="datetimeFigureOut">
               <a:rPr lang="en-US" smtClean="0"/>
               <a:pPr/>
-              <a:t>1/2/2020</a:t>
+              <a:t>1/3/2020</a:t>
             </a:fld>
             <a:endParaRPr lang="en-US" dirty="0"/>
           </a:p>
@@ -3970,7 +3970,7 @@
             <a:fld id="{87DE6118-2437-4B30-8E3C-4D2BE6020583}" type="datetimeFigureOut">
               <a:rPr lang="en-US" smtClean="0"/>
               <a:pPr/>
-              <a:t>1/2/2020</a:t>
+              <a:t>1/3/2020</a:t>
             </a:fld>
             <a:endParaRPr lang="en-US" dirty="0"/>
           </a:p>
@@ -5382,7 +5382,7 @@
         <p:spPr>
           <a:xfrm>
             <a:off x="725648" y="2419126"/>
-            <a:ext cx="6059828" cy="1208729"/>
+            <a:ext cx="6059828" cy="1593450"/>
           </a:xfrm>
           <a:prstGeom prst="rect">
             <a:avLst/>
@@ -5395,10 +5395,12 @@
           </a:bodyPr>
           <a:lstStyle/>
           <a:p>
-            <a:pPr algn="just">
+            <a:pPr marL="342900" indent="-342900" algn="just">
               <a:lnSpc>
                 <a:spcPct val="125000"/>
               </a:lnSpc>
+              <a:buFont typeface="Wingdings" panose="05000000000000000000" pitchFamily="2" charset="2"/>
+              <a:buChar char="§"/>
             </a:pPr>
             <a:r>
               <a:rPr lang="pt-PT" sz="2000" dirty="0"/>
@@ -5421,7 +5423,7 @@
         </p:nvSpPr>
         <p:spPr>
           <a:xfrm>
-            <a:off x="7200902" y="6216294"/>
+            <a:off x="7200902" y="5064843"/>
             <a:ext cx="4627653" cy="461665"/>
           </a:xfrm>
           <a:prstGeom prst="rect">
@@ -5470,10 +5472,12 @@
           </a:bodyPr>
           <a:lstStyle/>
           <a:p>
-            <a:pPr algn="just">
+            <a:pPr marL="342900" indent="-342900" algn="just">
               <a:lnSpc>
                 <a:spcPct val="125000"/>
               </a:lnSpc>
+              <a:buFont typeface="Wingdings" panose="05000000000000000000" pitchFamily="2" charset="2"/>
+              <a:buChar char="§"/>
             </a:pPr>
             <a:r>
               <a:rPr lang="pt-PT" sz="2000" dirty="0"/>
@@ -5490,6 +5494,36 @@
           </a:p>
         </p:txBody>
       </p:sp>
+      <p:pic>
+        <p:nvPicPr>
+          <p:cNvPr id="4" name="Imagem 3">
+            <a:extLst>
+              <a:ext uri="{FF2B5EF4-FFF2-40B4-BE49-F238E27FC236}">
+                <a16:creationId xmlns:a16="http://schemas.microsoft.com/office/drawing/2014/main" id="{EC1E9C63-57DA-43DF-B8CB-D666A9D58F1D}"/>
+              </a:ext>
+            </a:extLst>
+          </p:cNvPr>
+          <p:cNvPicPr>
+            <a:picLocks noChangeAspect="1"/>
+          </p:cNvPicPr>
+          <p:nvPr/>
+        </p:nvPicPr>
+        <p:blipFill>
+          <a:blip r:embed="rId4"/>
+          <a:stretch>
+            <a:fillRect/>
+          </a:stretch>
+        </p:blipFill>
+        <p:spPr>
+          <a:xfrm>
+            <a:off x="7200902" y="3059336"/>
+            <a:ext cx="4846640" cy="1851912"/>
+          </a:xfrm>
+          <a:prstGeom prst="rect">
+            <a:avLst/>
+          </a:prstGeom>
+        </p:spPr>
+      </p:pic>
     </p:spTree>
     <p:extLst>
       <p:ext uri="{BB962C8B-B14F-4D97-AF65-F5344CB8AC3E}">
@@ -7274,12 +7308,9 @@
 </file>
 
 <file path=customXml/item1.xml><?xml version="1.0" encoding="utf-8"?>
-<?mso-contentType ?>
-<FormTemplates xmlns="http://schemas.microsoft.com/sharepoint/v3/contenttype/forms">
-  <Display>DocumentLibraryForm</Display>
-  <Edit>DocumentLibraryForm</Edit>
-  <New>DocumentLibraryForm</New>
-</FormTemplates>
+<p:properties xmlns:p="http://schemas.microsoft.com/office/2006/metadata/properties" xmlns:xsi="http://www.w3.org/2001/XMLSchema-instance" xmlns:pc="http://schemas.microsoft.com/office/infopath/2007/PartnerControls">
+  <documentManagement/>
+</p:properties>
 </file>
 
 <file path=customXml/item2.xml><?xml version="1.0" encoding="utf-8"?>
@@ -7453,15 +7484,26 @@
 </file>
 
 <file path=customXml/item3.xml><?xml version="1.0" encoding="utf-8"?>
-<p:properties xmlns:p="http://schemas.microsoft.com/office/2006/metadata/properties" xmlns:xsi="http://www.w3.org/2001/XMLSchema-instance" xmlns:pc="http://schemas.microsoft.com/office/infopath/2007/PartnerControls">
-  <documentManagement/>
-</p:properties>
+<?mso-contentType ?>
+<FormTemplates xmlns="http://schemas.microsoft.com/sharepoint/v3/contenttype/forms">
+  <Display>DocumentLibraryForm</Display>
+  <Edit>DocumentLibraryForm</Edit>
+  <New>DocumentLibraryForm</New>
+</FormTemplates>
 </file>
 
 <file path=customXml/itemProps1.xml><?xml version="1.0" encoding="utf-8"?>
-<ds:datastoreItem xmlns:ds="http://schemas.openxmlformats.org/officeDocument/2006/customXml" ds:itemID="{7680A571-770C-406E-943B-80D479BFC2E3}">
+<ds:datastoreItem xmlns:ds="http://schemas.openxmlformats.org/officeDocument/2006/customXml" ds:itemID="{C31DC4EE-CE8D-44D1-B01D-8FBB19F3B6D4}">
   <ds:schemaRefs>
-    <ds:schemaRef ds:uri="http://schemas.microsoft.com/sharepoint/v3/contenttype/forms"/>
+    <ds:schemaRef ds:uri="http://purl.org/dc/dcmitype/"/>
+    <ds:schemaRef ds:uri="http://schemas.openxmlformats.org/package/2006/metadata/core-properties"/>
+    <ds:schemaRef ds:uri="http://purl.org/dc/elements/1.1/"/>
+    <ds:schemaRef ds:uri="http://purl.org/dc/terms/"/>
+    <ds:schemaRef ds:uri="http://schemas.microsoft.com/office/infopath/2007/PartnerControls"/>
+    <ds:schemaRef ds:uri="http://schemas.microsoft.com/office/2006/metadata/properties"/>
+    <ds:schemaRef ds:uri="http://schemas.microsoft.com/office/2006/documentManagement/types"/>
+    <ds:schemaRef ds:uri="6ce73d69-b8d4-4b83-a6ca-cd828de064d5"/>
+    <ds:schemaRef ds:uri="http://www.w3.org/XML/1998/namespace"/>
   </ds:schemaRefs>
 </ds:datastoreItem>
 </file>
@@ -7485,17 +7527,9 @@
 </file>
 
 <file path=customXml/itemProps3.xml><?xml version="1.0" encoding="utf-8"?>
-<ds:datastoreItem xmlns:ds="http://schemas.openxmlformats.org/officeDocument/2006/customXml" ds:itemID="{C31DC4EE-CE8D-44D1-B01D-8FBB19F3B6D4}">
+<ds:datastoreItem xmlns:ds="http://schemas.openxmlformats.org/officeDocument/2006/customXml" ds:itemID="{7680A571-770C-406E-943B-80D479BFC2E3}">
   <ds:schemaRefs>
-    <ds:schemaRef ds:uri="http://purl.org/dc/dcmitype/"/>
-    <ds:schemaRef ds:uri="http://schemas.openxmlformats.org/package/2006/metadata/core-properties"/>
-    <ds:schemaRef ds:uri="http://purl.org/dc/elements/1.1/"/>
-    <ds:schemaRef ds:uri="http://purl.org/dc/terms/"/>
-    <ds:schemaRef ds:uri="http://schemas.microsoft.com/office/infopath/2007/PartnerControls"/>
-    <ds:schemaRef ds:uri="http://schemas.microsoft.com/office/2006/metadata/properties"/>
-    <ds:schemaRef ds:uri="http://schemas.microsoft.com/office/2006/documentManagement/types"/>
-    <ds:schemaRef ds:uri="6ce73d69-b8d4-4b83-a6ca-cd828de064d5"/>
-    <ds:schemaRef ds:uri="http://www.w3.org/XML/1998/namespace"/>
+    <ds:schemaRef ds:uri="http://schemas.microsoft.com/sharepoint/v3/contenttype/forms"/>
   </ds:schemaRefs>
 </ds:datastoreItem>
 </file>
--- a/AEDA_-_Cartao_Museus_de_Portugal_parte_2.pptx
+++ b/AEDA_-_Cartao_Museus_de_Portugal_parte_2.pptx
@@ -5101,12 +5101,17 @@
         </p:spPr>
         <p:txBody>
           <a:bodyPr>
-            <a:normAutofit lnSpcReduction="10000"/>
+            <a:normAutofit/>
           </a:bodyPr>
           <a:lstStyle/>
           <a:p>
-            <a:r>
-              <a:rPr lang="pt-PT" dirty="0">
+            <a:pPr>
+              <a:lnSpc>
+                <a:spcPct val="120000"/>
+              </a:lnSpc>
+            </a:pPr>
+            <a:r>
+              <a:rPr lang="pt-PT" sz="1800" dirty="0">
                 <a:solidFill>
                   <a:schemeClr val="tx1"/>
                 </a:solidFill>
@@ -5115,9 +5120,13 @@
             </a:r>
           </a:p>
           <a:p>
-            <a:pPr lvl="1"/>
-            <a:r>
-              <a:rPr lang="pt-PT" sz="1800" i="0" dirty="0">
+            <a:pPr lvl="1">
+              <a:lnSpc>
+                <a:spcPct val="120000"/>
+              </a:lnSpc>
+            </a:pPr>
+            <a:r>
+              <a:rPr lang="pt-PT" sz="1400" i="0" dirty="0">
                 <a:solidFill>
                   <a:schemeClr val="tx1"/>
                 </a:solidFill>
@@ -5125,7 +5134,7 @@
               <a:t>Tal como pedido, os Museus numa BST (std::set), as Empresas de Reparação numa priority queue (std::priority_queue) e os Trabalhadores do estado numa </a:t>
             </a:r>
             <a:r>
-              <a:rPr lang="pt-PT" sz="1800" i="0" dirty="0" err="1">
+              <a:rPr lang="pt-PT" sz="1400" i="0" dirty="0" err="1">
                 <a:solidFill>
                   <a:schemeClr val="tx1"/>
                 </a:solidFill>
@@ -5133,7 +5142,7 @@
               <a:t>hashtable</a:t>
             </a:r>
             <a:r>
-              <a:rPr lang="pt-PT" sz="1800" i="0" dirty="0">
+              <a:rPr lang="pt-PT" sz="1400" i="0" dirty="0">
                 <a:solidFill>
                   <a:schemeClr val="tx1"/>
                 </a:solidFill>
@@ -5141,7 +5150,7 @@
               <a:t> (std::</a:t>
             </a:r>
             <a:r>
-              <a:rPr lang="pt-PT" sz="1800" i="0" dirty="0" err="1">
+              <a:rPr lang="pt-PT" sz="1400" i="0" dirty="0" err="1">
                 <a:solidFill>
                   <a:schemeClr val="tx1"/>
                 </a:solidFill>
@@ -5149,7 +5158,7 @@
               <a:t>unordered_set</a:t>
             </a:r>
             <a:r>
-              <a:rPr lang="pt-PT" sz="1800" i="0" dirty="0">
+              <a:rPr lang="pt-PT" sz="1400" i="0" dirty="0">
                 <a:solidFill>
                   <a:schemeClr val="tx1"/>
                 </a:solidFill>
@@ -5158,15 +5167,24 @@
             </a:r>
           </a:p>
           <a:p>
-            <a:r>
-              <a:rPr lang="pt-PT" dirty="0"/>
+            <a:pPr>
+              <a:lnSpc>
+                <a:spcPct val="120000"/>
+              </a:lnSpc>
+            </a:pPr>
+            <a:r>
+              <a:rPr lang="pt-PT" sz="1800" dirty="0"/>
               <a:t>Soluções práticas:</a:t>
             </a:r>
           </a:p>
           <a:p>
-            <a:pPr lvl="1"/>
-            <a:r>
-              <a:rPr lang="pt-PT" sz="1800" i="0" dirty="0">
+            <a:pPr lvl="1">
+              <a:lnSpc>
+                <a:spcPct val="120000"/>
+              </a:lnSpc>
+            </a:pPr>
+            <a:r>
+              <a:rPr lang="pt-PT" sz="1400" i="0" dirty="0">
                 <a:solidFill>
                   <a:schemeClr val="tx1"/>
                 </a:solidFill>
@@ -5175,9 +5193,13 @@
             </a:r>
           </a:p>
           <a:p>
-            <a:pPr lvl="1"/>
-            <a:r>
-              <a:rPr lang="pt-PT" sz="1800" i="0" dirty="0">
+            <a:pPr lvl="1">
+              <a:lnSpc>
+                <a:spcPct val="120000"/>
+              </a:lnSpc>
+            </a:pPr>
+            <a:r>
+              <a:rPr lang="pt-PT" sz="1400" i="0" dirty="0">
                 <a:solidFill>
                   <a:schemeClr val="tx1"/>
                 </a:solidFill>
@@ -5186,8 +5208,13 @@
             </a:r>
           </a:p>
           <a:p>
-            <a:r>
-              <a:rPr lang="pt-PT" dirty="0">
+            <a:pPr>
+              <a:lnSpc>
+                <a:spcPct val="120000"/>
+              </a:lnSpc>
+            </a:pPr>
+            <a:r>
+              <a:rPr lang="pt-PT" sz="1800" dirty="0">
                 <a:solidFill>
                   <a:schemeClr val="tx1"/>
                 </a:solidFill>
@@ -5196,9 +5223,13 @@
             </a:r>
           </a:p>
           <a:p>
-            <a:pPr lvl="1"/>
-            <a:r>
-              <a:rPr lang="pt-PT" sz="1800" i="0" dirty="0">
+            <a:pPr lvl="1">
+              <a:lnSpc>
+                <a:spcPct val="120000"/>
+              </a:lnSpc>
+            </a:pPr>
+            <a:r>
+              <a:rPr lang="pt-PT" sz="1400" i="0" dirty="0">
                 <a:solidFill>
                   <a:schemeClr val="tx1"/>
                 </a:solidFill>
@@ -5207,9 +5238,13 @@
             </a:r>
           </a:p>
           <a:p>
-            <a:pPr lvl="1"/>
-            <a:r>
-              <a:rPr lang="pt-PT" sz="1800" i="0" dirty="0">
+            <a:pPr lvl="1">
+              <a:lnSpc>
+                <a:spcPct val="120000"/>
+              </a:lnSpc>
+            </a:pPr>
+            <a:r>
+              <a:rPr lang="pt-PT" sz="1400" i="0" dirty="0">
                 <a:solidFill>
                   <a:schemeClr val="tx1"/>
                 </a:solidFill>
@@ -5346,18 +5381,18 @@
         </p:spPr>
         <p:txBody>
           <a:bodyPr>
-            <a:normAutofit fontScale="92500"/>
+            <a:normAutofit/>
           </a:bodyPr>
           <a:lstStyle/>
           <a:p>
             <a:pPr marL="0" indent="0" algn="just">
               <a:lnSpc>
-                <a:spcPct val="125000"/>
+                <a:spcPct val="150000"/>
               </a:lnSpc>
               <a:buNone/>
             </a:pPr>
             <a:r>
-              <a:rPr lang="pt-PT" dirty="0">
+              <a:rPr lang="pt-PT" sz="1800" dirty="0">
                 <a:solidFill>
                   <a:schemeClr val="tx1"/>
                 </a:solidFill>
@@ -5381,8 +5416,8 @@
         </p:nvSpPr>
         <p:spPr>
           <a:xfrm>
-            <a:off x="725648" y="2419126"/>
-            <a:ext cx="6059828" cy="1593450"/>
+            <a:off x="484348" y="2419126"/>
+            <a:ext cx="6059829" cy="1097095"/>
           </a:xfrm>
           <a:prstGeom prst="rect">
             <a:avLst/>
@@ -5403,7 +5438,7 @@
               <a:buChar char="§"/>
             </a:pPr>
             <a:r>
-              <a:rPr lang="pt-PT" sz="2000" dirty="0"/>
+              <a:rPr lang="pt-PT" dirty="0"/>
               <a:t>O ficheiro dos Trabalhadores do Estado consiste num número identificando a quantidade de Trabalhadores a ler seguido pela informação deles.</a:t>
             </a:r>
           </a:p>
@@ -5423,8 +5458,8 @@
         </p:nvSpPr>
         <p:spPr>
           <a:xfrm>
-            <a:off x="7200902" y="5064843"/>
-            <a:ext cx="4627653" cy="461665"/>
+            <a:off x="6684893" y="5064843"/>
+            <a:ext cx="5177069" cy="523220"/>
           </a:xfrm>
           <a:prstGeom prst="rect">
             <a:avLst/>
@@ -5437,8 +5472,9 @@
           </a:bodyPr>
           <a:lstStyle/>
           <a:p>
-            <a:r>
-              <a:rPr lang="pt-PT" sz="1200" dirty="0"/>
+            <a:pPr algn="ctr"/>
+            <a:r>
+              <a:rPr lang="pt-PT" sz="1400" dirty="0"/>
               <a:t>e.g. do conteúdo de um ficheiro de informação de Trabalhadores do Estado</a:t>
             </a:r>
           </a:p>
@@ -5458,8 +5494,8 @@
         </p:nvSpPr>
         <p:spPr>
           <a:xfrm>
-            <a:off x="725648" y="4131359"/>
-            <a:ext cx="6059828" cy="1978170"/>
+            <a:off x="484348" y="4131359"/>
+            <a:ext cx="6059829" cy="1443344"/>
           </a:xfrm>
           <a:prstGeom prst="rect">
             <a:avLst/>
@@ -5480,15 +5516,15 @@
               <a:buChar char="§"/>
             </a:pPr>
             <a:r>
-              <a:rPr lang="pt-PT" sz="2000" dirty="0"/>
+              <a:rPr lang="pt-PT" dirty="0"/>
               <a:t>Cada Trabalhador guarda o seu nome, cc, contacto, </a:t>
             </a:r>
             <a:r>
-              <a:rPr lang="pt-PT" sz="2000" i="1" dirty="0"/>
+              <a:rPr lang="pt-PT" i="1" dirty="0"/>
               <a:t>address</a:t>
             </a:r>
             <a:r>
-              <a:rPr lang="pt-PT" sz="2000" dirty="0"/>
+              <a:rPr lang="pt-PT" dirty="0"/>
               <a:t>, data de nascimento, 1 se estiver empregue (0 caso contrário), seguido do nome e coordenadas do Museu que o emprega (caso esteja empregue). </a:t>
             </a:r>
           </a:p>
@@ -5516,8 +5552,8 @@
         </p:blipFill>
         <p:spPr>
           <a:xfrm>
-            <a:off x="7200902" y="3059336"/>
-            <a:ext cx="4846640" cy="1851912"/>
+            <a:off x="6684893" y="3023491"/>
+            <a:ext cx="5177070" cy="1978170"/>
           </a:xfrm>
           <a:prstGeom prst="rect">
             <a:avLst/>
@@ -5645,8 +5681,13 @@
           </a:bodyPr>
           <a:lstStyle/>
           <a:p>
-            <a:r>
-              <a:rPr lang="pt-PT" dirty="0">
+            <a:pPr>
+              <a:lnSpc>
+                <a:spcPct val="150000"/>
+              </a:lnSpc>
+            </a:pPr>
+            <a:r>
+              <a:rPr lang="pt-PT" sz="1800" dirty="0">
                 <a:solidFill>
                   <a:schemeClr val="tx1"/>
                 </a:solidFill>
@@ -5655,8 +5696,25 @@
             </a:r>
           </a:p>
           <a:p>
-            <a:r>
-              <a:rPr lang="pt-PT" dirty="0">
+            <a:pPr>
+              <a:lnSpc>
+                <a:spcPct val="150000"/>
+              </a:lnSpc>
+            </a:pPr>
+            <a:endParaRPr lang="pt-PT" sz="1800" dirty="0">
+              <a:solidFill>
+                <a:schemeClr val="tx1"/>
+              </a:solidFill>
+            </a:endParaRPr>
+          </a:p>
+          <a:p>
+            <a:pPr>
+              <a:lnSpc>
+                <a:spcPct val="150000"/>
+              </a:lnSpc>
+            </a:pPr>
+            <a:r>
+              <a:rPr lang="pt-PT" sz="1800" dirty="0">
                 <a:solidFill>
                   <a:schemeClr val="tx1"/>
                 </a:solidFill>
@@ -5665,9 +5723,13 @@
             </a:r>
           </a:p>
           <a:p>
-            <a:pPr lvl="1"/>
-            <a:r>
-              <a:rPr lang="pt-PT" i="0" dirty="0">
+            <a:pPr lvl="1">
+              <a:lnSpc>
+                <a:spcPct val="150000"/>
+              </a:lnSpc>
+            </a:pPr>
+            <a:r>
+              <a:rPr lang="pt-PT" sz="1800" i="0" dirty="0">
                 <a:solidFill>
                   <a:schemeClr val="tx1"/>
                 </a:solidFill>
@@ -5676,9 +5738,13 @@
             </a:r>
           </a:p>
           <a:p>
-            <a:pPr lvl="1"/>
-            <a:r>
-              <a:rPr lang="pt-PT" i="0" dirty="0">
+            <a:pPr lvl="1">
+              <a:lnSpc>
+                <a:spcPct val="150000"/>
+              </a:lnSpc>
+            </a:pPr>
+            <a:r>
+              <a:rPr lang="pt-PT" sz="1800" i="0" dirty="0">
                 <a:solidFill>
                   <a:schemeClr val="tx1"/>
                 </a:solidFill>
@@ -5687,9 +5753,13 @@
             </a:r>
           </a:p>
           <a:p>
-            <a:pPr lvl="1"/>
-            <a:r>
-              <a:rPr lang="pt-PT" i="0" dirty="0">
+            <a:pPr lvl="1">
+              <a:lnSpc>
+                <a:spcPct val="150000"/>
+              </a:lnSpc>
+            </a:pPr>
+            <a:r>
+              <a:rPr lang="pt-PT" sz="1800" i="0" dirty="0">
                 <a:solidFill>
                   <a:schemeClr val="tx1"/>
                 </a:solidFill>
@@ -5697,7 +5767,7 @@
               <a:t>Efetuar a visita de um museu como detentor de um cartão </a:t>
             </a:r>
             <a:r>
-              <a:rPr lang="pt-PT" dirty="0">
+              <a:rPr lang="pt-PT" sz="1800" dirty="0">
                 <a:solidFill>
                   <a:schemeClr val="tx1"/>
                 </a:solidFill>
@@ -5712,16 +5782,6 @@
                 <a:schemeClr val="tx1"/>
               </a:solidFill>
             </a:endParaRPr>
-          </a:p>
-          <a:p>
-            <a:r>
-              <a:rPr lang="pt-PT" i="0" dirty="0">
-                <a:solidFill>
-                  <a:schemeClr val="tx1"/>
-                </a:solidFill>
-              </a:rPr>
-              <a:t>As Empresas de Eventos e as Empresas de Reparações ambas derivam de uma classe base Empresa Base, visto partilharem bastante informação semelhante. A classe Empresa Base foi definida para este trabalho e a antiga classe Empresa de Eventos foi adaptada para derivar desta.</a:t>
-            </a:r>
           </a:p>
         </p:txBody>
       </p:sp>
@@ -5822,68 +5882,6 @@
       </p:sp>
       <p:sp>
         <p:nvSpPr>
-          <p:cNvPr id="3" name="Marcador de Posição de Conteúdo 2">
-            <a:extLst>
-              <a:ext uri="{FF2B5EF4-FFF2-40B4-BE49-F238E27FC236}">
-                <a16:creationId xmlns:a16="http://schemas.microsoft.com/office/drawing/2014/main" id="{5F0A40F0-64D0-474E-A342-7D09549A7DCC}"/>
-              </a:ext>
-            </a:extLst>
-          </p:cNvPr>
-          <p:cNvSpPr>
-            <a:spLocks noGrp="1"/>
-          </p:cNvSpPr>
-          <p:nvPr>
-            <p:ph idx="1"/>
-          </p:nvPr>
-        </p:nvSpPr>
-        <p:spPr>
-          <a:xfrm>
-            <a:off x="876628" y="1171637"/>
-            <a:ext cx="10935477" cy="1656404"/>
-          </a:xfrm>
-        </p:spPr>
-        <p:txBody>
-          <a:bodyPr>
-            <a:normAutofit/>
-          </a:bodyPr>
-          <a:lstStyle/>
-          <a:p>
-            <a:pPr marL="0" indent="0">
-              <a:buNone/>
-            </a:pPr>
-            <a:r>
-              <a:rPr lang="pt-PT" dirty="0">
-                <a:solidFill>
-                  <a:schemeClr val="tx1"/>
-                </a:solidFill>
-              </a:rPr>
-              <a:t>Todas as operações de listagem e seleção de aglomerados de informação têm filtros distintos para ajudar a navegar pela grande quantidade de dados apresentados pela Rede. </a:t>
-            </a:r>
-          </a:p>
-          <a:p>
-            <a:pPr marL="0" indent="0">
-              <a:buNone/>
-            </a:pPr>
-            <a:r>
-              <a:rPr lang="pt-PT" dirty="0">
-                <a:solidFill>
-                  <a:schemeClr val="tx1"/>
-                </a:solidFill>
-              </a:rPr>
-              <a:t>A acrescentar aos já presentes no trabalho anterior, destacam-se:</a:t>
-            </a:r>
-          </a:p>
-          <a:p>
-            <a:endParaRPr lang="pt-PT" i="0" dirty="0">
-              <a:solidFill>
-                <a:schemeClr val="tx1"/>
-              </a:solidFill>
-            </a:endParaRPr>
-          </a:p>
-        </p:txBody>
-      </p:sp>
-      <p:sp>
-        <p:nvSpPr>
           <p:cNvPr id="6" name="TextBox 5">
             <a:extLst>
               <a:ext uri="{FF2B5EF4-FFF2-40B4-BE49-F238E27FC236}">
@@ -5896,8 +5894,8 @@
         </p:nvSpPr>
         <p:spPr>
           <a:xfrm>
-            <a:off x="3799899" y="3111131"/>
-            <a:ext cx="4592201" cy="1754326"/>
+            <a:off x="6297177" y="4699000"/>
+            <a:ext cx="6305635" cy="923330"/>
           </a:xfrm>
           <a:prstGeom prst="rect">
             <a:avLst/>
@@ -5916,7 +5914,7 @@
             </a:pPr>
             <a:r>
               <a:rPr lang="pt-PT" b="1" dirty="0"/>
-              <a:t>Filtro de Repair Enterprises:</a:t>
+              <a:t>Filtro de Trabalhadores do Estado</a:t>
             </a:r>
           </a:p>
           <a:p>
@@ -5926,7 +5924,7 @@
             </a:pPr>
             <a:r>
               <a:rPr lang="pt-PT" dirty="0"/>
-              <a:t>Por Endereço</a:t>
+              <a:t>Por Estado de Empregação</a:t>
             </a:r>
           </a:p>
           <a:p>
@@ -5938,7 +5936,37 @@
               <a:rPr lang="pt-PT" dirty="0"/>
               <a:t>Por Nome</a:t>
             </a:r>
-          </a:p>
+            <a:endParaRPr lang="pt-PT" b="1" dirty="0"/>
+          </a:p>
+        </p:txBody>
+      </p:sp>
+      <p:sp>
+        <p:nvSpPr>
+          <p:cNvPr id="5" name="CaixaDeTexto 4">
+            <a:extLst>
+              <a:ext uri="{FF2B5EF4-FFF2-40B4-BE49-F238E27FC236}">
+                <a16:creationId xmlns:a16="http://schemas.microsoft.com/office/drawing/2014/main" id="{8EC32618-8B68-4577-B07A-1CC260EEEA9E}"/>
+              </a:ext>
+            </a:extLst>
+          </p:cNvPr>
+          <p:cNvSpPr txBox="1"/>
+          <p:nvPr/>
+        </p:nvSpPr>
+        <p:spPr>
+          <a:xfrm>
+            <a:off x="876628" y="4699000"/>
+            <a:ext cx="4355183" cy="1201919"/>
+          </a:xfrm>
+          <a:prstGeom prst="rect">
+            <a:avLst/>
+          </a:prstGeom>
+          <a:noFill/>
+        </p:spPr>
+        <p:txBody>
+          <a:bodyPr wrap="square" rtlCol="0">
+            <a:spAutoFit/>
+          </a:bodyPr>
+          <a:lstStyle/>
           <a:p>
             <a:pPr marL="285750" indent="-285750">
               <a:buFont typeface="Wingdings" panose="05000000000000000000" pitchFamily="2" charset="2"/>
@@ -5946,7 +5974,23 @@
             </a:pPr>
             <a:r>
               <a:rPr lang="pt-PT" b="1" dirty="0"/>
-              <a:t>Filtro de Trabalhadores do Estado</a:t>
+              <a:t>Filtro de </a:t>
+            </a:r>
+            <a:r>
+              <a:rPr lang="pt-PT" b="1" dirty="0" err="1"/>
+              <a:t>Repair</a:t>
+            </a:r>
+            <a:r>
+              <a:rPr lang="pt-PT" b="1" dirty="0"/>
+              <a:t> </a:t>
+            </a:r>
+            <a:r>
+              <a:rPr lang="pt-PT" b="1" dirty="0" err="1"/>
+              <a:t>Enterprises</a:t>
+            </a:r>
+            <a:r>
+              <a:rPr lang="pt-PT" b="1" dirty="0"/>
+              <a:t>:</a:t>
             </a:r>
           </a:p>
           <a:p>
@@ -5956,7 +6000,7 @@
             </a:pPr>
             <a:r>
               <a:rPr lang="pt-PT" dirty="0"/>
-              <a:t>Por Estado de Empregação</a:t>
+              <a:t>Por Endereço</a:t>
             </a:r>
           </a:p>
           <a:p>
@@ -5968,7 +6012,83 @@
               <a:rPr lang="pt-PT" dirty="0"/>
               <a:t>Por Nome</a:t>
             </a:r>
-            <a:endParaRPr lang="pt-PT" b="1" dirty="0"/>
+          </a:p>
+          <a:p>
+            <a:endParaRPr lang="pt-PT" dirty="0"/>
+          </a:p>
+        </p:txBody>
+      </p:sp>
+      <p:sp>
+        <p:nvSpPr>
+          <p:cNvPr id="7" name="Retângulo 6">
+            <a:extLst>
+              <a:ext uri="{FF2B5EF4-FFF2-40B4-BE49-F238E27FC236}">
+                <a16:creationId xmlns:a16="http://schemas.microsoft.com/office/drawing/2014/main" id="{23CB25D5-44F3-4E44-A028-4165A538097E}"/>
+              </a:ext>
+            </a:extLst>
+          </p:cNvPr>
+          <p:cNvSpPr/>
+          <p:nvPr/>
+        </p:nvSpPr>
+        <p:spPr>
+          <a:xfrm>
+            <a:off x="876627" y="1135956"/>
+            <a:ext cx="10890811" cy="3365024"/>
+          </a:xfrm>
+          <a:prstGeom prst="rect">
+            <a:avLst/>
+          </a:prstGeom>
+        </p:spPr>
+        <p:txBody>
+          <a:bodyPr wrap="square">
+            <a:spAutoFit/>
+          </a:bodyPr>
+          <a:lstStyle/>
+          <a:p>
+            <a:pPr marL="285750" indent="-285750">
+              <a:lnSpc>
+                <a:spcPct val="150000"/>
+              </a:lnSpc>
+              <a:buFont typeface="Wingdings" panose="05000000000000000000" pitchFamily="2" charset="2"/>
+              <a:buChar char="§"/>
+            </a:pPr>
+            <a:r>
+              <a:rPr lang="pt-PT" dirty="0"/>
+              <a:t>As Empresas de Eventos e as Empresas de Reparações ambas derivam de uma classe base Empresa Base, visto partilharem bastante informação semelhante. A classe Empresa Base foi definida para este trabalho e a antiga classe Empresa de Eventos foi adaptada para derivar desta.</a:t>
+            </a:r>
+          </a:p>
+          <a:p>
+            <a:pPr marL="285750" indent="-285750">
+              <a:lnSpc>
+                <a:spcPct val="150000"/>
+              </a:lnSpc>
+              <a:buFont typeface="Wingdings" panose="05000000000000000000" pitchFamily="2" charset="2"/>
+              <a:buChar char="§"/>
+            </a:pPr>
+            <a:endParaRPr lang="pt-PT" dirty="0"/>
+          </a:p>
+          <a:p>
+            <a:pPr marL="285750" indent="-285750">
+              <a:lnSpc>
+                <a:spcPct val="150000"/>
+              </a:lnSpc>
+              <a:buFont typeface="Wingdings" panose="05000000000000000000" pitchFamily="2" charset="2"/>
+              <a:buChar char="§"/>
+            </a:pPr>
+            <a:r>
+              <a:rPr lang="pt-PT" dirty="0"/>
+              <a:t>Todas as operações de listagem e seleção de aglomerados de informação têm filtros distintos para ajudar a navegar pela grande quantidade de dados apresentados pela Rede.  A acrescentar aos já presentes no trabalho anterior, destacam-se:</a:t>
+            </a:r>
+          </a:p>
+          <a:p>
+            <a:pPr marL="285750" indent="-285750">
+              <a:lnSpc>
+                <a:spcPct val="150000"/>
+              </a:lnSpc>
+              <a:buFont typeface="Wingdings" panose="05000000000000000000" pitchFamily="2" charset="2"/>
+              <a:buChar char="§"/>
+            </a:pPr>
+            <a:endParaRPr lang="pt-PT" dirty="0"/>
           </a:p>
         </p:txBody>
       </p:sp>
@@ -6086,7 +6206,7 @@
         <p:spPr>
           <a:xfrm>
             <a:off x="876628" y="1171637"/>
-            <a:ext cx="10935477" cy="1098487"/>
+            <a:ext cx="10935477" cy="1533463"/>
           </a:xfrm>
         </p:spPr>
         <p:txBody>
@@ -6096,10 +6216,13 @@
           <a:lstStyle/>
           <a:p>
             <a:pPr marL="0" indent="0">
+              <a:lnSpc>
+                <a:spcPct val="150000"/>
+              </a:lnSpc>
               <a:buNone/>
             </a:pPr>
             <a:r>
-              <a:rPr lang="pt-PT" dirty="0">
+              <a:rPr lang="pt-PT" sz="1800" dirty="0">
                 <a:solidFill>
                   <a:schemeClr val="tx1"/>
                 </a:solidFill>
@@ -6130,7 +6253,7 @@
         </p:nvSpPr>
         <p:spPr>
           <a:xfrm>
-            <a:off x="6096000" y="3335600"/>
+            <a:off x="5995447" y="3704685"/>
             <a:ext cx="5421085" cy="2031325"/>
           </a:xfrm>
           <a:prstGeom prst="rect">
@@ -6229,7 +6352,7 @@
         <p:spPr>
           <a:xfrm>
             <a:off x="1403246" y="2873689"/>
-            <a:ext cx="4592201" cy="3139321"/>
+            <a:ext cx="4592201" cy="3693319"/>
           </a:xfrm>
           <a:prstGeom prst="rect">
             <a:avLst/>
@@ -6282,6 +6405,13 @@
             </a:r>
           </a:p>
           <a:p>
+            <a:pPr marL="742950" lvl="1" indent="-285750">
+              <a:buFont typeface="Arial" panose="020B0604020202020204" pitchFamily="34" charset="0"/>
+              <a:buChar char="–"/>
+            </a:pPr>
+            <a:endParaRPr lang="pt-PT" dirty="0"/>
+          </a:p>
+          <a:p>
             <a:pPr marL="285750" indent="-285750">
               <a:buFont typeface="Wingdings" panose="05000000000000000000" pitchFamily="2" charset="2"/>
               <a:buChar char="§"/>
@@ -6317,9 +6447,20 @@
               <a:buFont typeface="Wingdings" panose="05000000000000000000" pitchFamily="2" charset="2"/>
               <a:buChar char="§"/>
             </a:pPr>
+            <a:endParaRPr lang="pt-PT" b="1" dirty="0"/>
+          </a:p>
+          <a:p>
+            <a:pPr marL="285750" indent="-285750">
+              <a:buFont typeface="Wingdings" panose="05000000000000000000" pitchFamily="2" charset="2"/>
+              <a:buChar char="§"/>
+            </a:pPr>
+            <a:r>
+              <a:rPr lang="pt-PT" b="1" dirty="0" err="1"/>
+              <a:t>Sort</a:t>
+            </a:r>
             <a:r>
               <a:rPr lang="pt-PT" b="1" dirty="0"/>
-              <a:t>Sort de Cartões:</a:t>
+              <a:t> de Cartões:</a:t>
             </a:r>
           </a:p>
           <a:p>
@@ -6467,28 +6608,68 @@
         </p:nvSpPr>
         <p:spPr>
           <a:xfrm>
-            <a:off x="1102661" y="1476660"/>
-            <a:ext cx="10010098" cy="5143020"/>
+            <a:off x="1102661" y="1187777"/>
+            <a:ext cx="10010098" cy="5431903"/>
           </a:xfrm>
         </p:spPr>
         <p:txBody>
           <a:bodyPr>
-            <a:normAutofit/>
+            <a:normAutofit fontScale="92500" lnSpcReduction="20000"/>
           </a:bodyPr>
           <a:lstStyle/>
           <a:p>
-            <a:pPr algn="just"/>
+            <a:pPr algn="just">
+              <a:lnSpc>
+                <a:spcPct val="150000"/>
+              </a:lnSpc>
+            </a:pPr>
             <a:r>
               <a:rPr lang="pt-PT" dirty="0">
                 <a:solidFill>
                   <a:schemeClr val="tx1"/>
                 </a:solidFill>
               </a:rPr>
-              <a:t>A pesquisa de Empresas de Reparação para reparar um edifício (Museu) à escolha do utilizador:</a:t>
-            </a:r>
-          </a:p>
-          <a:p>
-            <a:pPr lvl="1" algn="just"/>
+              <a:t>A pesquisa de empresas (</a:t>
+            </a:r>
+            <a:r>
+              <a:rPr lang="pt-PT" dirty="0" err="1">
+                <a:solidFill>
+                  <a:schemeClr val="tx1"/>
+                </a:solidFill>
+              </a:rPr>
+              <a:t>RepairEnterprises</a:t>
+            </a:r>
+            <a:r>
+              <a:rPr lang="pt-PT" dirty="0">
+                <a:solidFill>
+                  <a:schemeClr val="tx1"/>
+                </a:solidFill>
+              </a:rPr>
+              <a:t>), para reparar um edifício (</a:t>
+            </a:r>
+            <a:r>
+              <a:rPr lang="pt-PT" dirty="0" err="1">
+                <a:solidFill>
+                  <a:schemeClr val="tx1"/>
+                </a:solidFill>
+              </a:rPr>
+              <a:t>Museum</a:t>
+            </a:r>
+            <a:r>
+              <a:rPr lang="pt-PT" dirty="0">
+                <a:solidFill>
+                  <a:schemeClr val="tx1"/>
+                </a:solidFill>
+              </a:rPr>
+              <a:t>) à escolha do utilizador:</a:t>
+            </a:r>
+          </a:p>
+          <a:p>
+            <a:pPr lvl="1" algn="just">
+              <a:lnSpc>
+                <a:spcPct val="150000"/>
+              </a:lnSpc>
+            </a:pPr>
             <a:r>
               <a:rPr lang="pt-PT" i="0" dirty="0">
                 <a:solidFill>
@@ -6499,18 +6680,55 @@
             </a:r>
           </a:p>
           <a:p>
-            <a:pPr lvl="1" algn="just"/>
+            <a:pPr lvl="1" algn="just">
+              <a:lnSpc>
+                <a:spcPct val="150000"/>
+              </a:lnSpc>
+            </a:pPr>
             <a:r>
               <a:rPr lang="pt-PT" i="0" dirty="0">
                 <a:solidFill>
                   <a:schemeClr val="tx1"/>
                 </a:solidFill>
               </a:rPr>
-              <a:t>Após iterar sobre todos os elementos ou encontrar um que corresponda à pesquisa, os elementos são reinseridos.</a:t>
-            </a:r>
-          </a:p>
-          <a:p>
-            <a:pPr algn="just"/>
+              <a:t>Após iterar sobre todos os elementos ou encontrar um que corresponda à pesquisa, os elementos na </a:t>
+            </a:r>
+            <a:r>
+              <a:rPr lang="pt-PT" i="0" dirty="0" err="1">
+                <a:solidFill>
+                  <a:schemeClr val="tx1"/>
+                </a:solidFill>
+              </a:rPr>
+              <a:t>stack</a:t>
+            </a:r>
+            <a:r>
+              <a:rPr lang="pt-PT" i="0" dirty="0">
+                <a:solidFill>
+                  <a:schemeClr val="tx1"/>
+                </a:solidFill>
+              </a:rPr>
+              <a:t> são reinseridos.</a:t>
+            </a:r>
+          </a:p>
+          <a:p>
+            <a:pPr marL="530352" lvl="1" indent="0" algn="just">
+              <a:lnSpc>
+                <a:spcPct val="150000"/>
+              </a:lnSpc>
+              <a:buNone/>
+            </a:pPr>
+            <a:endParaRPr lang="pt-PT" i="0" dirty="0">
+              <a:solidFill>
+                <a:schemeClr val="tx1"/>
+              </a:solidFill>
+            </a:endParaRPr>
+          </a:p>
+          <a:p>
+            <a:pPr algn="just">
+              <a:lnSpc>
+                <a:spcPct val="150000"/>
+              </a:lnSpc>
+            </a:pPr>
             <a:r>
               <a:rPr lang="pt-PT" dirty="0">
                 <a:solidFill>
@@ -6521,7 +6739,11 @@
             </a:r>
           </a:p>
           <a:p>
-            <a:pPr lvl="1" algn="just"/>
+            <a:pPr lvl="1" algn="just">
+              <a:lnSpc>
+                <a:spcPct val="150000"/>
+              </a:lnSpc>
+            </a:pPr>
             <a:r>
               <a:rPr lang="pt-PT" i="0" dirty="0">
                 <a:solidFill>
@@ -6548,7 +6770,11 @@
             </a:r>
           </a:p>
           <a:p>
-            <a:pPr lvl="1" algn="just"/>
+            <a:pPr lvl="1" algn="just">
+              <a:lnSpc>
+                <a:spcPct val="150000"/>
+              </a:lnSpc>
+            </a:pPr>
             <a:r>
               <a:rPr lang="pt-PT" i="0" dirty="0">
                 <a:solidFill>
@@ -6559,7 +6785,11 @@
             </a:r>
           </a:p>
           <a:p>
-            <a:pPr lvl="1" algn="just"/>
+            <a:pPr lvl="1" algn="just">
+              <a:lnSpc>
+                <a:spcPct val="150000"/>
+              </a:lnSpc>
+            </a:pPr>
             <a:r>
               <a:rPr lang="pt-PT" i="0" dirty="0">
                 <a:solidFill>
@@ -6704,40 +6934,84 @@
         </p:spPr>
         <p:txBody>
           <a:bodyPr>
-            <a:normAutofit/>
+            <a:normAutofit lnSpcReduction="10000"/>
           </a:bodyPr>
           <a:lstStyle/>
           <a:p>
-            <a:pPr fontAlgn="base"/>
+            <a:pPr fontAlgn="base">
+              <a:lnSpc>
+                <a:spcPct val="150000"/>
+              </a:lnSpc>
+            </a:pPr>
             <a:r>
               <a:rPr lang="pt-PT" dirty="0"/>
-              <a:t>O trabalho foi distribuído de maneira homogénea por todos os elementos do grupo</a:t>
-            </a:r>
-          </a:p>
-          <a:p>
-            <a:pPr fontAlgn="base"/>
+              <a:t>O trabalho foi distribuído de maneira homogénea por todos os elementos do grupo.</a:t>
+            </a:r>
+          </a:p>
+          <a:p>
+            <a:pPr fontAlgn="base">
+              <a:lnSpc>
+                <a:spcPct val="150000"/>
+              </a:lnSpc>
+            </a:pPr>
             <a:r>
               <a:rPr lang="pt-PT" dirty="0"/>
               <a:t>As principais dificuldades encontradas foram: </a:t>
             </a:r>
           </a:p>
           <a:p>
-            <a:pPr lvl="1" fontAlgn="base"/>
+            <a:pPr lvl="1" fontAlgn="base">
+              <a:lnSpc>
+                <a:spcPct val="150000"/>
+              </a:lnSpc>
+            </a:pPr>
             <a:r>
               <a:rPr lang="pt-PT" i="0" dirty="0"/>
-              <a:t>O uso de estruturas não lineares dificultoi o uso dos filters do nossos menus: devíamos ter usado iteradores desde o início. A filtragem de ‘std::set’ continua eficiente, mas o código já não é tão geral.</a:t>
-            </a:r>
-          </a:p>
-          <a:p>
-            <a:pPr lvl="1" fontAlgn="base"/>
+              <a:t>O uso de estruturas não lineares dificultou o uso dos filtros dos nossos menus: os filtros deviam ter sido implementados com recurso a </a:t>
+            </a:r>
+            <a:r>
+              <a:rPr lang="pt-PT" i="0" dirty="0" err="1"/>
+              <a:t>iteradores</a:t>
+            </a:r>
             <a:r>
               <a:rPr lang="pt-PT" i="0" dirty="0"/>
-              <a:t>A forma como o operador ‘&lt;‘ foi definido para a BST de museus (pedido no enunciado) dificulta a procura de museus na BST (comparação de igualdade entre museus não pode ser feita com o uso do operador ‘&lt;‘). O grupo concorda que este operador não permite utilizar ao máximo as propriedades de uma BST, mas seguimos o enunciado.</a:t>
-            </a:r>
-          </a:p>
-          <a:p>
-            <a:pPr lvl="1" fontAlgn="base"/>
-            <a:endParaRPr lang="pt-PT" i="0" dirty="0"/>
+              <a:t>, por vez de vetores; a filtragem de ‘</a:t>
+            </a:r>
+            <a:r>
+              <a:rPr lang="pt-PT" i="0" dirty="0" err="1"/>
+              <a:t>std</a:t>
+            </a:r>
+            <a:r>
+              <a:rPr lang="pt-PT" i="0" dirty="0"/>
+              <a:t>::set’ continua eficiente, mas o código já não é tão geral.</a:t>
+            </a:r>
+          </a:p>
+          <a:p>
+            <a:pPr lvl="1" fontAlgn="base">
+              <a:lnSpc>
+                <a:spcPct val="150000"/>
+              </a:lnSpc>
+            </a:pPr>
+            <a:r>
+              <a:rPr lang="pt-PT" i="0" dirty="0"/>
+              <a:t>A forma como o operador ‘&lt;‘ foi definido para a </a:t>
+            </a:r>
+            <a:r>
+              <a:rPr lang="pt-PT" b="1" i="0" dirty="0"/>
+              <a:t>BST</a:t>
+            </a:r>
+            <a:r>
+              <a:rPr lang="pt-PT" i="0" dirty="0"/>
+              <a:t> de museus (a pedido do enunciado) dificulta a procura de museus nesta (comparação de igualdade entre museus não pode ser feita com o uso do operador ‘&lt;‘ descrito). O grupo conclui que este operador não permite usufruir de todas as vantagens de uma </a:t>
+            </a:r>
+            <a:r>
+              <a:rPr lang="pt-PT" b="1" i="0" dirty="0"/>
+              <a:t>BST </a:t>
+            </a:r>
+            <a:r>
+              <a:rPr lang="pt-PT" i="0" dirty="0"/>
+              <a:t>(nomeadamente a procura).</a:t>
+            </a:r>
           </a:p>
         </p:txBody>
       </p:sp>
@@ -7308,9 +7582,12 @@
 </file>
 
 <file path=customXml/item1.xml><?xml version="1.0" encoding="utf-8"?>
-<p:properties xmlns:p="http://schemas.microsoft.com/office/2006/metadata/properties" xmlns:xsi="http://www.w3.org/2001/XMLSchema-instance" xmlns:pc="http://schemas.microsoft.com/office/infopath/2007/PartnerControls">
-  <documentManagement/>
-</p:properties>
+<?mso-contentType ?>
+<FormTemplates xmlns="http://schemas.microsoft.com/sharepoint/v3/contenttype/forms">
+  <Display>DocumentLibraryForm</Display>
+  <Edit>DocumentLibraryForm</Edit>
+  <New>DocumentLibraryForm</New>
+</FormTemplates>
 </file>
 
 <file path=customXml/item2.xml><?xml version="1.0" encoding="utf-8"?>
@@ -7484,26 +7761,15 @@
 </file>
 
 <file path=customXml/item3.xml><?xml version="1.0" encoding="utf-8"?>
-<?mso-contentType ?>
-<FormTemplates xmlns="http://schemas.microsoft.com/sharepoint/v3/contenttype/forms">
-  <Display>DocumentLibraryForm</Display>
-  <Edit>DocumentLibraryForm</Edit>
-  <New>DocumentLibraryForm</New>
-</FormTemplates>
+<p:properties xmlns:p="http://schemas.microsoft.com/office/2006/metadata/properties" xmlns:xsi="http://www.w3.org/2001/XMLSchema-instance" xmlns:pc="http://schemas.microsoft.com/office/infopath/2007/PartnerControls">
+  <documentManagement/>
+</p:properties>
 </file>
 
 <file path=customXml/itemProps1.xml><?xml version="1.0" encoding="utf-8"?>
-<ds:datastoreItem xmlns:ds="http://schemas.openxmlformats.org/officeDocument/2006/customXml" ds:itemID="{C31DC4EE-CE8D-44D1-B01D-8FBB19F3B6D4}">
+<ds:datastoreItem xmlns:ds="http://schemas.openxmlformats.org/officeDocument/2006/customXml" ds:itemID="{7680A571-770C-406E-943B-80D479BFC2E3}">
   <ds:schemaRefs>
-    <ds:schemaRef ds:uri="http://purl.org/dc/dcmitype/"/>
-    <ds:schemaRef ds:uri="http://schemas.openxmlformats.org/package/2006/metadata/core-properties"/>
-    <ds:schemaRef ds:uri="http://purl.org/dc/elements/1.1/"/>
-    <ds:schemaRef ds:uri="http://purl.org/dc/terms/"/>
-    <ds:schemaRef ds:uri="http://schemas.microsoft.com/office/infopath/2007/PartnerControls"/>
-    <ds:schemaRef ds:uri="http://schemas.microsoft.com/office/2006/metadata/properties"/>
-    <ds:schemaRef ds:uri="http://schemas.microsoft.com/office/2006/documentManagement/types"/>
-    <ds:schemaRef ds:uri="6ce73d69-b8d4-4b83-a6ca-cd828de064d5"/>
-    <ds:schemaRef ds:uri="http://www.w3.org/XML/1998/namespace"/>
+    <ds:schemaRef ds:uri="http://schemas.microsoft.com/sharepoint/v3/contenttype/forms"/>
   </ds:schemaRefs>
 </ds:datastoreItem>
 </file>
@@ -7527,9 +7793,17 @@
 </file>
 
 <file path=customXml/itemProps3.xml><?xml version="1.0" encoding="utf-8"?>
-<ds:datastoreItem xmlns:ds="http://schemas.openxmlformats.org/officeDocument/2006/customXml" ds:itemID="{7680A571-770C-406E-943B-80D479BFC2E3}">
+<ds:datastoreItem xmlns:ds="http://schemas.openxmlformats.org/officeDocument/2006/customXml" ds:itemID="{C31DC4EE-CE8D-44D1-B01D-8FBB19F3B6D4}">
   <ds:schemaRefs>
-    <ds:schemaRef ds:uri="http://schemas.microsoft.com/sharepoint/v3/contenttype/forms"/>
+    <ds:schemaRef ds:uri="http://purl.org/dc/dcmitype/"/>
+    <ds:schemaRef ds:uri="http://schemas.openxmlformats.org/package/2006/metadata/core-properties"/>
+    <ds:schemaRef ds:uri="http://purl.org/dc/elements/1.1/"/>
+    <ds:schemaRef ds:uri="http://purl.org/dc/terms/"/>
+    <ds:schemaRef ds:uri="http://schemas.microsoft.com/office/infopath/2007/PartnerControls"/>
+    <ds:schemaRef ds:uri="http://schemas.microsoft.com/office/2006/metadata/properties"/>
+    <ds:schemaRef ds:uri="http://schemas.microsoft.com/office/2006/documentManagement/types"/>
+    <ds:schemaRef ds:uri="6ce73d69-b8d4-4b83-a6ca-cd828de064d5"/>
+    <ds:schemaRef ds:uri="http://www.w3.org/XML/1998/namespace"/>
   </ds:schemaRefs>
 </ds:datastoreItem>
 </file>